--- a/scientific-calculator-project-2.pptx
+++ b/scientific-calculator-project-2.pptx
@@ -989,7 +989,7 @@
           </a:pPr>
           <a:r>
             <a:rPr lang="en-US" sz="1800" b="1" dirty="0"/>
-            <a:t>Expand</a:t>
+            <a:t>Theme functions</a:t>
           </a:r>
         </a:p>
       </dgm:t>
@@ -1030,7 +1030,7 @@
           </a:pPr>
           <a:r>
             <a:rPr lang="en-US" sz="1800" dirty="0"/>
-            <a:t>Foster collaborative growth</a:t>
+            <a:t>Used for creating the themes</a:t>
           </a:r>
         </a:p>
       </dgm:t>
@@ -1069,8 +1069,18 @@
           </a:pPr>
           <a:r>
             <a:rPr lang="en-US" sz="1800" b="1" dirty="0"/>
-            <a:t>Enhance</a:t>
+            <a:t>Utilities functions</a:t>
           </a:r>
+        </a:p>
+        <a:p>
+          <a:pPr marL="0" algn="ctr">
+            <a:buNone/>
+          </a:pPr>
+          <a:r>
+            <a:rPr lang="en-US" sz="1800" dirty="0"/>
+            <a:t>These are used to help the main functions in different calculations</a:t>
+          </a:r>
+          <a:endParaRPr lang="en-US" sz="1800" b="1" dirty="0"/>
         </a:p>
       </dgm:t>
     </dgm:pt>
@@ -1096,47 +1106,6 @@
         </a:p>
       </dgm:t>
     </dgm:pt>
-    <dgm:pt modelId="{C485168C-07AD-4DE6-B17E-1E96E93777D7}">
-      <dgm:prSet phldrT="[Text]" custT="1"/>
-      <dgm:spPr/>
-      <dgm:t>
-        <a:bodyPr/>
-        <a:lstStyle/>
-        <a:p>
-          <a:pPr marL="228600" indent="-228600" algn="ctr">
-            <a:buSzPct val="80000"/>
-            <a:buFont typeface="Courier New" panose="02070309020205020404" pitchFamily="49" charset="0"/>
-            <a:buChar char="o"/>
-          </a:pPr>
-          <a:r>
-            <a:rPr lang="en-US" sz="1800" dirty="0"/>
-            <a:t>Ensure a tailored and user-focused experience</a:t>
-          </a:r>
-        </a:p>
-      </dgm:t>
-    </dgm:pt>
-    <dgm:pt modelId="{2EA2CE1F-978B-4B0A-92B2-CA23FBAEB8C0}" type="parTrans" cxnId="{B374803A-F1D8-4C12-8B03-25954CE7DDA9}">
-      <dgm:prSet/>
-      <dgm:spPr/>
-      <dgm:t>
-        <a:bodyPr/>
-        <a:lstStyle/>
-        <a:p>
-          <a:endParaRPr lang="en-US"/>
-        </a:p>
-      </dgm:t>
-    </dgm:pt>
-    <dgm:pt modelId="{05F43B89-7F05-43F2-A0A8-66E0914D6EC4}" type="sibTrans" cxnId="{B374803A-F1D8-4C12-8B03-25954CE7DDA9}">
-      <dgm:prSet/>
-      <dgm:spPr/>
-      <dgm:t>
-        <a:bodyPr/>
-        <a:lstStyle/>
-        <a:p>
-          <a:endParaRPr lang="en-US"/>
-        </a:p>
-      </dgm:t>
-    </dgm:pt>
     <dgm:pt modelId="{CA2BABAF-EDAA-4496-8316-FD6EA3643E8F}">
       <dgm:prSet phldrT="[Text]" custT="1"/>
       <dgm:spPr/>
@@ -1149,7 +1118,7 @@
           </a:pPr>
           <a:r>
             <a:rPr lang="en-US" sz="1800" b="1" dirty="0"/>
-            <a:t>Explore</a:t>
+            <a:t>Trigonometric &amp; Other functions</a:t>
           </a:r>
         </a:p>
       </dgm:t>
@@ -1176,6 +1145,86 @@
         </a:p>
       </dgm:t>
     </dgm:pt>
+    <dgm:pt modelId="{66CE5527-D8DB-4D3A-B899-3AAD8A3E48E7}">
+      <dgm:prSet phldrT="[Text]"/>
+      <dgm:spPr/>
+      <dgm:t>
+        <a:bodyPr/>
+        <a:lstStyle/>
+        <a:p>
+          <a:pPr>
+            <a:buNone/>
+          </a:pPr>
+          <a:r>
+            <a:rPr lang="en-US" b="1" dirty="0"/>
+            <a:t>  Calculator Functions</a:t>
+          </a:r>
+        </a:p>
+      </dgm:t>
+    </dgm:pt>
+    <dgm:pt modelId="{E7F143A6-5F8C-48E1-A741-D7013ACF7C73}" type="parTrans" cxnId="{63B3A7C2-8CF1-4127-87BF-09D383A8AFC5}">
+      <dgm:prSet/>
+      <dgm:spPr/>
+      <dgm:t>
+        <a:bodyPr/>
+        <a:lstStyle/>
+        <a:p>
+          <a:endParaRPr lang="en-IN"/>
+        </a:p>
+      </dgm:t>
+    </dgm:pt>
+    <dgm:pt modelId="{930AB9A0-047B-41FA-8CC5-ECF206126251}" type="sibTrans" cxnId="{63B3A7C2-8CF1-4127-87BF-09D383A8AFC5}">
+      <dgm:prSet/>
+      <dgm:spPr/>
+      <dgm:t>
+        <a:bodyPr/>
+        <a:lstStyle/>
+        <a:p>
+          <a:endParaRPr lang="en-IN"/>
+        </a:p>
+      </dgm:t>
+    </dgm:pt>
+    <dgm:pt modelId="{B32BACA7-0F94-4856-92A6-50A0B8E0528E}">
+      <dgm:prSet phldrT="[Text]"/>
+      <dgm:spPr/>
+      <dgm:t>
+        <a:bodyPr/>
+        <a:lstStyle/>
+        <a:p>
+          <a:pPr>
+            <a:buSzPct val="80000"/>
+            <a:buFont typeface="Courier New" panose="02070309020205020404" pitchFamily="49" charset="0"/>
+            <a:buNone/>
+          </a:pPr>
+          <a:r>
+            <a:rPr lang="en-US" dirty="0"/>
+            <a:t>   Backend Calculator functions that help in making calculator available for every operation</a:t>
+          </a:r>
+        </a:p>
+      </dgm:t>
+    </dgm:pt>
+    <dgm:pt modelId="{05ECD5F7-F2CF-4C18-88DD-932AD0087137}" type="sibTrans" cxnId="{4520B5BC-66E9-4F6C-91BD-C0E84C5C2C15}">
+      <dgm:prSet/>
+      <dgm:spPr/>
+      <dgm:t>
+        <a:bodyPr/>
+        <a:lstStyle/>
+        <a:p>
+          <a:endParaRPr lang="en-IN"/>
+        </a:p>
+      </dgm:t>
+    </dgm:pt>
+    <dgm:pt modelId="{ECA795ED-DEAC-4028-A9A8-21932F758673}" type="parTrans" cxnId="{4520B5BC-66E9-4F6C-91BD-C0E84C5C2C15}">
+      <dgm:prSet/>
+      <dgm:spPr/>
+      <dgm:t>
+        <a:bodyPr/>
+        <a:lstStyle/>
+        <a:p>
+          <a:endParaRPr lang="en-IN"/>
+        </a:p>
+      </dgm:t>
+    </dgm:pt>
     <dgm:pt modelId="{ABC1EDDD-C08B-4F9C-8453-9CEFCC2AF319}">
       <dgm:prSet phldrT="[Text]" custT="1"/>
       <dgm:spPr/>
@@ -1190,12 +1239,12 @@
           </a:pPr>
           <a:r>
             <a:rPr lang="en-US" sz="1800" dirty="0"/>
-            <a:t>Capitalize on emerging global markets</a:t>
+            <a:t>Used to perform trigonometric, logarithmic, and other operations</a:t>
           </a:r>
         </a:p>
       </dgm:t>
     </dgm:pt>
-    <dgm:pt modelId="{33D02404-349E-4E82-A8BA-C0A907006883}" type="parTrans" cxnId="{9C4BE375-6187-4BD4-A343-9FC71D796AF1}">
+    <dgm:pt modelId="{7D85D88C-6545-49D9-9F9D-01270187B165}" type="sibTrans" cxnId="{9C4BE375-6187-4BD4-A343-9FC71D796AF1}">
       <dgm:prSet/>
       <dgm:spPr/>
       <dgm:t>
@@ -1206,7 +1255,7 @@
         </a:p>
       </dgm:t>
     </dgm:pt>
-    <dgm:pt modelId="{7D85D88C-6545-49D9-9F9D-01270187B165}" type="sibTrans" cxnId="{9C4BE375-6187-4BD4-A343-9FC71D796AF1}">
+    <dgm:pt modelId="{33D02404-349E-4E82-A8BA-C0A907006883}" type="parTrans" cxnId="{9C4BE375-6187-4BD4-A343-9FC71D796AF1}">
       <dgm:prSet/>
       <dgm:spPr/>
       <dgm:t>
@@ -1227,7 +1276,7 @@
       <dgm:spPr/>
     </dgm:pt>
     <dgm:pt modelId="{1321859E-820F-42A1-A815-96F9E1091C18}" type="pres">
-      <dgm:prSet presAssocID="{B6A966AA-C2D0-420D-89FC-1A1AB0AD4072}" presName="arrow" presStyleLbl="bgShp" presStyleIdx="0" presStyleCnt="1"/>
+      <dgm:prSet presAssocID="{B6A966AA-C2D0-420D-89FC-1A1AB0AD4072}" presName="arrow" presStyleLbl="bgShp" presStyleIdx="0" presStyleCnt="1" custLinFactNeighborX="89"/>
       <dgm:spPr/>
     </dgm:pt>
     <dgm:pt modelId="{0C0EFEA6-53DB-4B11-B914-678B897CA613}" type="pres">
@@ -1239,7 +1288,7 @@
       <dgm:spPr/>
     </dgm:pt>
     <dgm:pt modelId="{7103C4FE-7A4B-41EF-8814-669D0064B6EF}" type="pres">
-      <dgm:prSet presAssocID="{45D50368-372D-4F79-95B9-B27BD239F0F6}" presName="textA" presStyleLbl="revTx" presStyleIdx="0" presStyleCnt="3" custScaleX="76000">
+      <dgm:prSet presAssocID="{45D50368-372D-4F79-95B9-B27BD239F0F6}" presName="textA" presStyleLbl="revTx" presStyleIdx="0" presStyleCnt="4" custScaleX="207640" custScaleY="68261" custLinFactNeighborY="39248">
         <dgm:presLayoutVars>
           <dgm:bulletEnabled val="1"/>
         </dgm:presLayoutVars>
@@ -1247,7 +1296,7 @@
       <dgm:spPr/>
     </dgm:pt>
     <dgm:pt modelId="{69242FCE-B1A3-4CB0-90C2-CB5EC309668C}" type="pres">
-      <dgm:prSet presAssocID="{45D50368-372D-4F79-95B9-B27BD239F0F6}" presName="circleA" presStyleLbl="node1" presStyleIdx="0" presStyleCnt="3"/>
+      <dgm:prSet presAssocID="{45D50368-372D-4F79-95B9-B27BD239F0F6}" presName="circleA" presStyleLbl="node1" presStyleIdx="0" presStyleCnt="4" custLinFactNeighborY="21907"/>
       <dgm:spPr/>
     </dgm:pt>
     <dgm:pt modelId="{301F205F-64EC-4B0E-A2AD-D5977C935AF4}" type="pres">
@@ -1263,7 +1312,7 @@
       <dgm:spPr/>
     </dgm:pt>
     <dgm:pt modelId="{C72ECC98-97C1-4FA6-9751-2F88545F8213}" type="pres">
-      <dgm:prSet presAssocID="{196543C5-093B-4437-B406-DBE4B882EA97}" presName="textB" presStyleLbl="revTx" presStyleIdx="1" presStyleCnt="3">
+      <dgm:prSet presAssocID="{196543C5-093B-4437-B406-DBE4B882EA97}" presName="textB" presStyleLbl="revTx" presStyleIdx="1" presStyleCnt="4" custScaleX="334103" custScaleY="66227" custLinFactNeighborX="-16544" custLinFactNeighborY="-20086">
         <dgm:presLayoutVars>
           <dgm:bulletEnabled val="1"/>
         </dgm:presLayoutVars>
@@ -1271,7 +1320,7 @@
       <dgm:spPr/>
     </dgm:pt>
     <dgm:pt modelId="{8A3CF5DF-2912-4784-8B16-20EF1087B16D}" type="pres">
-      <dgm:prSet presAssocID="{196543C5-093B-4437-B406-DBE4B882EA97}" presName="circleB" presStyleLbl="node1" presStyleIdx="1" presStyleCnt="3"/>
+      <dgm:prSet presAssocID="{196543C5-093B-4437-B406-DBE4B882EA97}" presName="circleB" presStyleLbl="node1" presStyleIdx="1" presStyleCnt="4" custLinFactX="-52211" custLinFactNeighborX="-100000" custLinFactNeighborY="-48863"/>
       <dgm:spPr/>
     </dgm:pt>
     <dgm:pt modelId="{AEB44FDA-4D40-47A5-BEE0-4EF9F97BF5D2}" type="pres">
@@ -1282,41 +1331,67 @@
       <dgm:prSet presAssocID="{F264F018-7FB9-43EC-B595-B986D351AD7B}" presName="space" presStyleCnt="0"/>
       <dgm:spPr/>
     </dgm:pt>
-    <dgm:pt modelId="{8CEF5A46-4D3D-4D9F-B7F4-405723F5505C}" type="pres">
-      <dgm:prSet presAssocID="{CA2BABAF-EDAA-4496-8316-FD6EA3643E8F}" presName="compositeA" presStyleCnt="0"/>
+    <dgm:pt modelId="{2701CECE-5588-4E47-A10F-6E56A401651F}" type="pres">
+      <dgm:prSet presAssocID="{66CE5527-D8DB-4D3A-B899-3AAD8A3E48E7}" presName="compositeA" presStyleCnt="0"/>
       <dgm:spPr/>
     </dgm:pt>
-    <dgm:pt modelId="{0EA8ECEB-4BEA-4EA4-A72E-9427A4EDF870}" type="pres">
-      <dgm:prSet presAssocID="{CA2BABAF-EDAA-4496-8316-FD6EA3643E8F}" presName="textA" presStyleLbl="revTx" presStyleIdx="2" presStyleCnt="3">
+    <dgm:pt modelId="{7599F368-B45E-44EE-A412-23B2EC3FEF1D}" type="pres">
+      <dgm:prSet presAssocID="{66CE5527-D8DB-4D3A-B899-3AAD8A3E48E7}" presName="textA" presStyleLbl="revTx" presStyleIdx="2" presStyleCnt="4" custScaleX="375588" custLinFactNeighborX="-16544" custLinFactNeighborY="0">
         <dgm:presLayoutVars>
           <dgm:bulletEnabled val="1"/>
         </dgm:presLayoutVars>
       </dgm:prSet>
       <dgm:spPr/>
     </dgm:pt>
-    <dgm:pt modelId="{AE8B9E76-450B-4587-ADD0-D709E0D11B62}" type="pres">
-      <dgm:prSet presAssocID="{CA2BABAF-EDAA-4496-8316-FD6EA3643E8F}" presName="circleA" presStyleLbl="node1" presStyleIdx="2" presStyleCnt="3"/>
+    <dgm:pt modelId="{ACDBF947-CA84-4369-9C76-D9BC453679FC}" type="pres">
+      <dgm:prSet presAssocID="{66CE5527-D8DB-4D3A-B899-3AAD8A3E48E7}" presName="circleA" presStyleLbl="node1" presStyleIdx="2" presStyleCnt="4" custLinFactX="-53349" custLinFactNeighborX="-100000" custLinFactNeighborY="-14605"/>
       <dgm:spPr/>
     </dgm:pt>
-    <dgm:pt modelId="{7E02D670-50CE-4DE9-9D99-A3113C1CA49F}" type="pres">
-      <dgm:prSet presAssocID="{CA2BABAF-EDAA-4496-8316-FD6EA3643E8F}" presName="spaceA" presStyleCnt="0"/>
+    <dgm:pt modelId="{172BFBDB-40CD-473F-BED0-C273B6CCF2A7}" type="pres">
+      <dgm:prSet presAssocID="{66CE5527-D8DB-4D3A-B899-3AAD8A3E48E7}" presName="spaceA" presStyleCnt="0"/>
+      <dgm:spPr/>
+    </dgm:pt>
+    <dgm:pt modelId="{FFE9EDF1-D064-449C-A23C-9E662577E7FA}" type="pres">
+      <dgm:prSet presAssocID="{930AB9A0-047B-41FA-8CC5-ECF206126251}" presName="space" presStyleCnt="0"/>
+      <dgm:spPr/>
+    </dgm:pt>
+    <dgm:pt modelId="{9579EA0A-E0A3-4715-AF27-DC043FF73543}" type="pres">
+      <dgm:prSet presAssocID="{CA2BABAF-EDAA-4496-8316-FD6EA3643E8F}" presName="compositeB" presStyleCnt="0"/>
+      <dgm:spPr/>
+    </dgm:pt>
+    <dgm:pt modelId="{6FF7CD6F-0F0F-4159-B487-D312432B742B}" type="pres">
+      <dgm:prSet presAssocID="{CA2BABAF-EDAA-4496-8316-FD6EA3643E8F}" presName="textB" presStyleLbl="revTx" presStyleIdx="3" presStyleCnt="4" custScaleX="355551">
+        <dgm:presLayoutVars>
+          <dgm:bulletEnabled val="1"/>
+        </dgm:presLayoutVars>
+      </dgm:prSet>
+      <dgm:spPr/>
+    </dgm:pt>
+    <dgm:pt modelId="{FADE807E-F628-4B07-912F-2D942B7C25A8}" type="pres">
+      <dgm:prSet presAssocID="{CA2BABAF-EDAA-4496-8316-FD6EA3643E8F}" presName="circleB" presStyleLbl="node1" presStyleIdx="3" presStyleCnt="4"/>
+      <dgm:spPr/>
+    </dgm:pt>
+    <dgm:pt modelId="{4B6CDC96-0044-44A5-A8C4-CACB56CE8D29}" type="pres">
+      <dgm:prSet presAssocID="{CA2BABAF-EDAA-4496-8316-FD6EA3643E8F}" presName="spaceB" presStyleCnt="0"/>
       <dgm:spPr/>
     </dgm:pt>
   </dgm:ptLst>
   <dgm:cxnLst>
     <dgm:cxn modelId="{33FC2F0C-BBBC-49D9-8DB9-87CFB664B234}" type="presOf" srcId="{45D50368-372D-4F79-95B9-B27BD239F0F6}" destId="{7103C4FE-7A4B-41EF-8814-669D0064B6EF}" srcOrd="0" destOrd="0" presId="urn:microsoft.com/office/officeart/2005/8/layout/hProcess11"/>
-    <dgm:cxn modelId="{B374803A-F1D8-4C12-8B03-25954CE7DDA9}" srcId="{196543C5-093B-4437-B406-DBE4B882EA97}" destId="{C485168C-07AD-4DE6-B17E-1E96E93777D7}" srcOrd="0" destOrd="0" parTransId="{2EA2CE1F-978B-4B0A-92B2-CA23FBAEB8C0}" sibTransId="{05F43B89-7F05-43F2-A0A8-66E0914D6EC4}"/>
+    <dgm:cxn modelId="{8D370B1E-A1D8-4144-8A04-03316DEDBEEF}" type="presOf" srcId="{ABC1EDDD-C08B-4F9C-8453-9CEFCC2AF319}" destId="{6FF7CD6F-0F0F-4159-B487-D312432B742B}" srcOrd="0" destOrd="1" presId="urn:microsoft.com/office/officeart/2005/8/layout/hProcess11"/>
     <dgm:cxn modelId="{D8EBBD42-214D-4D3D-9A34-A5A6A40991CD}" srcId="{45D50368-372D-4F79-95B9-B27BD239F0F6}" destId="{15FCB7DF-D0D3-43D8-8FE5-E5FFDED6264E}" srcOrd="0" destOrd="0" parTransId="{5DD5E854-B70B-4927-93DD-9B930567F2D9}" sibTransId="{DDE76206-3F7F-4788-87BA-8C9D4D26CDB9}"/>
+    <dgm:cxn modelId="{4F3CEE6C-30FD-48C9-8D7E-FD9B6E602E8E}" type="presOf" srcId="{B32BACA7-0F94-4856-92A6-50A0B8E0528E}" destId="{7599F368-B45E-44EE-A412-23B2EC3FEF1D}" srcOrd="0" destOrd="1" presId="urn:microsoft.com/office/officeart/2005/8/layout/hProcess11"/>
     <dgm:cxn modelId="{8AF7704F-B285-4A9C-BA90-65BEC6653B6C}" type="presOf" srcId="{B6A966AA-C2D0-420D-89FC-1A1AB0AD4072}" destId="{7F7D3F0A-88AE-44AB-92BC-B1AEC7CDD5CE}" srcOrd="0" destOrd="0" presId="urn:microsoft.com/office/officeart/2005/8/layout/hProcess11"/>
-    <dgm:cxn modelId="{B93E1354-FC50-4D0F-81DD-4CEBA5959AFE}" type="presOf" srcId="{CA2BABAF-EDAA-4496-8316-FD6EA3643E8F}" destId="{0EA8ECEB-4BEA-4EA4-A72E-9427A4EDF870}" srcOrd="0" destOrd="0" presId="urn:microsoft.com/office/officeart/2005/8/layout/hProcess11"/>
     <dgm:cxn modelId="{9C4BE375-6187-4BD4-A343-9FC71D796AF1}" srcId="{CA2BABAF-EDAA-4496-8316-FD6EA3643E8F}" destId="{ABC1EDDD-C08B-4F9C-8453-9CEFCC2AF319}" srcOrd="0" destOrd="0" parTransId="{33D02404-349E-4E82-A8BA-C0A907006883}" sibTransId="{7D85D88C-6545-49D9-9F9D-01270187B165}"/>
     <dgm:cxn modelId="{68788A78-9180-41FF-BD09-BF4DBB52EA0D}" srcId="{B6A966AA-C2D0-420D-89FC-1A1AB0AD4072}" destId="{45D50368-372D-4F79-95B9-B27BD239F0F6}" srcOrd="0" destOrd="0" parTransId="{CDE1A78B-2AE4-4A71-9139-416C219BC84D}" sibTransId="{508ABF25-4B40-405C-9E88-248ED8B31B83}"/>
-    <dgm:cxn modelId="{4011B082-09BD-4DD1-A54F-EA5AB249A3C2}" srcId="{B6A966AA-C2D0-420D-89FC-1A1AB0AD4072}" destId="{CA2BABAF-EDAA-4496-8316-FD6EA3643E8F}" srcOrd="2" destOrd="0" parTransId="{2B1B4805-2FB7-402F-86A8-587F29181C18}" sibTransId="{4498AB02-A1BF-4D28-8918-F87A89CEE23B}"/>
+    <dgm:cxn modelId="{4011B082-09BD-4DD1-A54F-EA5AB249A3C2}" srcId="{B6A966AA-C2D0-420D-89FC-1A1AB0AD4072}" destId="{CA2BABAF-EDAA-4496-8316-FD6EA3643E8F}" srcOrd="3" destOrd="0" parTransId="{2B1B4805-2FB7-402F-86A8-587F29181C18}" sibTransId="{4498AB02-A1BF-4D28-8918-F87A89CEE23B}"/>
     <dgm:cxn modelId="{0CFCA19E-9316-4666-B978-BF8C655DDDAF}" type="presOf" srcId="{196543C5-093B-4437-B406-DBE4B882EA97}" destId="{C72ECC98-97C1-4FA6-9751-2F88545F8213}" srcOrd="0" destOrd="0" presId="urn:microsoft.com/office/officeart/2005/8/layout/hProcess11"/>
     <dgm:cxn modelId="{52499B9F-797A-43CC-89E1-64C52021BFAF}" srcId="{B6A966AA-C2D0-420D-89FC-1A1AB0AD4072}" destId="{196543C5-093B-4437-B406-DBE4B882EA97}" srcOrd="1" destOrd="0" parTransId="{41DE1F19-4A9F-48CD-A44E-6BF1D04E31EE}" sibTransId="{F264F018-7FB9-43EC-B595-B986D351AD7B}"/>
-    <dgm:cxn modelId="{A780DCA0-97BB-47F1-AE52-A151606F1265}" type="presOf" srcId="{ABC1EDDD-C08B-4F9C-8453-9CEFCC2AF319}" destId="{0EA8ECEB-4BEA-4EA4-A72E-9427A4EDF870}" srcOrd="0" destOrd="1" presId="urn:microsoft.com/office/officeart/2005/8/layout/hProcess11"/>
+    <dgm:cxn modelId="{4520B5BC-66E9-4F6C-91BD-C0E84C5C2C15}" srcId="{66CE5527-D8DB-4D3A-B899-3AAD8A3E48E7}" destId="{B32BACA7-0F94-4856-92A6-50A0B8E0528E}" srcOrd="0" destOrd="0" parTransId="{ECA795ED-DEAC-4028-A9A8-21932F758673}" sibTransId="{05ECD5F7-F2CF-4C18-88DD-932AD0087137}"/>
+    <dgm:cxn modelId="{63B3A7C2-8CF1-4127-87BF-09D383A8AFC5}" srcId="{B6A966AA-C2D0-420D-89FC-1A1AB0AD4072}" destId="{66CE5527-D8DB-4D3A-B899-3AAD8A3E48E7}" srcOrd="2" destOrd="0" parTransId="{E7F143A6-5F8C-48E1-A741-D7013ACF7C73}" sibTransId="{930AB9A0-047B-41FA-8CC5-ECF206126251}"/>
+    <dgm:cxn modelId="{A7D662C6-F3D4-4021-BB56-6421315C6B81}" type="presOf" srcId="{66CE5527-D8DB-4D3A-B899-3AAD8A3E48E7}" destId="{7599F368-B45E-44EE-A412-23B2EC3FEF1D}" srcOrd="0" destOrd="0" presId="urn:microsoft.com/office/officeart/2005/8/layout/hProcess11"/>
+    <dgm:cxn modelId="{CD9C6BD2-AA33-49C2-A28B-1C4F58CB6F8B}" type="presOf" srcId="{CA2BABAF-EDAA-4496-8316-FD6EA3643E8F}" destId="{6FF7CD6F-0F0F-4159-B487-D312432B742B}" srcOrd="0" destOrd="0" presId="urn:microsoft.com/office/officeart/2005/8/layout/hProcess11"/>
     <dgm:cxn modelId="{F12E74E0-3FC7-4399-A4D7-928B7B4EA7A0}" type="presOf" srcId="{15FCB7DF-D0D3-43D8-8FE5-E5FFDED6264E}" destId="{7103C4FE-7A4B-41EF-8814-669D0064B6EF}" srcOrd="0" destOrd="1" presId="urn:microsoft.com/office/officeart/2005/8/layout/hProcess11"/>
-    <dgm:cxn modelId="{60BF31ED-B4A4-412E-B0A4-FCF5721F407F}" type="presOf" srcId="{C485168C-07AD-4DE6-B17E-1E96E93777D7}" destId="{C72ECC98-97C1-4FA6-9751-2F88545F8213}" srcOrd="0" destOrd="1" presId="urn:microsoft.com/office/officeart/2005/8/layout/hProcess11"/>
     <dgm:cxn modelId="{7849C247-851C-4CEB-9B9D-59ABFE120C8A}" type="presParOf" srcId="{7F7D3F0A-88AE-44AB-92BC-B1AEC7CDD5CE}" destId="{1321859E-820F-42A1-A815-96F9E1091C18}" srcOrd="0" destOrd="0" presId="urn:microsoft.com/office/officeart/2005/8/layout/hProcess11"/>
     <dgm:cxn modelId="{BF45A60D-96FF-473A-B57F-CF56378654CB}" type="presParOf" srcId="{7F7D3F0A-88AE-44AB-92BC-B1AEC7CDD5CE}" destId="{0C0EFEA6-53DB-4B11-B914-678B897CA613}" srcOrd="1" destOrd="0" presId="urn:microsoft.com/office/officeart/2005/8/layout/hProcess11"/>
     <dgm:cxn modelId="{373F4474-FD59-4113-8085-E79F58FC39C7}" type="presParOf" srcId="{0C0EFEA6-53DB-4B11-B914-678B897CA613}" destId="{D1F8120B-2014-4539-8DB2-DF72EA65305F}" srcOrd="0" destOrd="0" presId="urn:microsoft.com/office/officeart/2005/8/layout/hProcess11"/>
@@ -1329,10 +1404,15 @@
     <dgm:cxn modelId="{CE6E8620-4AAD-4191-A9D9-F888C053CED8}" type="presParOf" srcId="{9B80AA7C-AE0D-4517-8F0E-3798D9078ECA}" destId="{8A3CF5DF-2912-4784-8B16-20EF1087B16D}" srcOrd="1" destOrd="0" presId="urn:microsoft.com/office/officeart/2005/8/layout/hProcess11"/>
     <dgm:cxn modelId="{6C95E7EA-2961-4ADE-BA5A-9B67FAC37BCE}" type="presParOf" srcId="{9B80AA7C-AE0D-4517-8F0E-3798D9078ECA}" destId="{AEB44FDA-4D40-47A5-BEE0-4EF9F97BF5D2}" srcOrd="2" destOrd="0" presId="urn:microsoft.com/office/officeart/2005/8/layout/hProcess11"/>
     <dgm:cxn modelId="{3BC5DF92-4D9B-42AA-A67F-99A3E4840255}" type="presParOf" srcId="{0C0EFEA6-53DB-4B11-B914-678B897CA613}" destId="{66B84C84-45A2-4C61-AA12-3A3F75DB82F8}" srcOrd="3" destOrd="0" presId="urn:microsoft.com/office/officeart/2005/8/layout/hProcess11"/>
-    <dgm:cxn modelId="{FE27A33F-134B-4D24-AC36-DCCCF056641C}" type="presParOf" srcId="{0C0EFEA6-53DB-4B11-B914-678B897CA613}" destId="{8CEF5A46-4D3D-4D9F-B7F4-405723F5505C}" srcOrd="4" destOrd="0" presId="urn:microsoft.com/office/officeart/2005/8/layout/hProcess11"/>
-    <dgm:cxn modelId="{94D75A07-120C-42AF-912B-044BD69E1C67}" type="presParOf" srcId="{8CEF5A46-4D3D-4D9F-B7F4-405723F5505C}" destId="{0EA8ECEB-4BEA-4EA4-A72E-9427A4EDF870}" srcOrd="0" destOrd="0" presId="urn:microsoft.com/office/officeart/2005/8/layout/hProcess11"/>
-    <dgm:cxn modelId="{AF929006-0D84-43C4-AC24-C78F8617B9EC}" type="presParOf" srcId="{8CEF5A46-4D3D-4D9F-B7F4-405723F5505C}" destId="{AE8B9E76-450B-4587-ADD0-D709E0D11B62}" srcOrd="1" destOrd="0" presId="urn:microsoft.com/office/officeart/2005/8/layout/hProcess11"/>
-    <dgm:cxn modelId="{9A93D057-5018-4672-A272-9B3DEF73DECA}" type="presParOf" srcId="{8CEF5A46-4D3D-4D9F-B7F4-405723F5505C}" destId="{7E02D670-50CE-4DE9-9D99-A3113C1CA49F}" srcOrd="2" destOrd="0" presId="urn:microsoft.com/office/officeart/2005/8/layout/hProcess11"/>
+    <dgm:cxn modelId="{4479617F-590A-4134-8B6F-60EC71ADE29E}" type="presParOf" srcId="{0C0EFEA6-53DB-4B11-B914-678B897CA613}" destId="{2701CECE-5588-4E47-A10F-6E56A401651F}" srcOrd="4" destOrd="0" presId="urn:microsoft.com/office/officeart/2005/8/layout/hProcess11"/>
+    <dgm:cxn modelId="{DB921245-5114-4E67-83D3-26FFC209C53F}" type="presParOf" srcId="{2701CECE-5588-4E47-A10F-6E56A401651F}" destId="{7599F368-B45E-44EE-A412-23B2EC3FEF1D}" srcOrd="0" destOrd="0" presId="urn:microsoft.com/office/officeart/2005/8/layout/hProcess11"/>
+    <dgm:cxn modelId="{4DDEF26F-77B5-4AAE-9215-E07EF2C91A41}" type="presParOf" srcId="{2701CECE-5588-4E47-A10F-6E56A401651F}" destId="{ACDBF947-CA84-4369-9C76-D9BC453679FC}" srcOrd="1" destOrd="0" presId="urn:microsoft.com/office/officeart/2005/8/layout/hProcess11"/>
+    <dgm:cxn modelId="{346B63E8-E17B-4F9B-97E9-A6538131487C}" type="presParOf" srcId="{2701CECE-5588-4E47-A10F-6E56A401651F}" destId="{172BFBDB-40CD-473F-BED0-C273B6CCF2A7}" srcOrd="2" destOrd="0" presId="urn:microsoft.com/office/officeart/2005/8/layout/hProcess11"/>
+    <dgm:cxn modelId="{452CE184-CADD-473D-911D-316B6448C1D7}" type="presParOf" srcId="{0C0EFEA6-53DB-4B11-B914-678B897CA613}" destId="{FFE9EDF1-D064-449C-A23C-9E662577E7FA}" srcOrd="5" destOrd="0" presId="urn:microsoft.com/office/officeart/2005/8/layout/hProcess11"/>
+    <dgm:cxn modelId="{C30ED5FE-658F-4591-B26A-B88B6F429DAB}" type="presParOf" srcId="{0C0EFEA6-53DB-4B11-B914-678B897CA613}" destId="{9579EA0A-E0A3-4715-AF27-DC043FF73543}" srcOrd="6" destOrd="0" presId="urn:microsoft.com/office/officeart/2005/8/layout/hProcess11"/>
+    <dgm:cxn modelId="{E5670094-96D5-4375-B90C-D1EF99F258AB}" type="presParOf" srcId="{9579EA0A-E0A3-4715-AF27-DC043FF73543}" destId="{6FF7CD6F-0F0F-4159-B487-D312432B742B}" srcOrd="0" destOrd="0" presId="urn:microsoft.com/office/officeart/2005/8/layout/hProcess11"/>
+    <dgm:cxn modelId="{82A6B4D0-E2AA-4BBB-92E0-863FBAA3E019}" type="presParOf" srcId="{9579EA0A-E0A3-4715-AF27-DC043FF73543}" destId="{FADE807E-F628-4B07-912F-2D942B7C25A8}" srcOrd="1" destOrd="0" presId="urn:microsoft.com/office/officeart/2005/8/layout/hProcess11"/>
+    <dgm:cxn modelId="{C8D90308-1E88-4B4E-B9FE-7D022BE74CCE}" type="presParOf" srcId="{9579EA0A-E0A3-4715-AF27-DC043FF73543}" destId="{4B6CDC96-0044-44A5-A8C4-CACB56CE8D29}" srcOrd="2" destOrd="0" presId="urn:microsoft.com/office/officeart/2005/8/layout/hProcess11"/>
   </dgm:cxnLst>
   <dgm:bg>
     <a:noFill/>
@@ -1361,8 +1441,8 @@
       </dsp:nvSpPr>
       <dsp:spPr>
         <a:xfrm>
-          <a:off x="0" y="932497"/>
-          <a:ext cx="10077450" cy="1243330"/>
+          <a:off x="0" y="807873"/>
+          <a:ext cx="11099289" cy="1077164"/>
         </a:xfrm>
         <a:prstGeom prst="notchedRightArrow">
           <a:avLst/>
@@ -1401,8 +1481,8 @@
       </dsp:nvSpPr>
       <dsp:spPr>
         <a:xfrm>
-          <a:off x="355171" y="0"/>
-          <a:ext cx="2221369" cy="1243330"/>
+          <a:off x="652" y="508235"/>
+          <a:ext cx="1610333" cy="735283"/>
         </a:xfrm>
         <a:prstGeom prst="rect">
           <a:avLst/>
@@ -1445,7 +1525,7 @@
           </a:pPr>
           <a:r>
             <a:rPr lang="en-US" sz="1800" b="1" kern="1200" dirty="0"/>
-            <a:t>Expand</a:t>
+            <a:t>Theme functions</a:t>
           </a:r>
         </a:p>
         <a:p>
@@ -1465,13 +1545,13 @@
           </a:pPr>
           <a:r>
             <a:rPr lang="en-US" sz="1800" kern="1200" dirty="0"/>
-            <a:t>Foster collaborative growth</a:t>
+            <a:t>Used for creating the themes</a:t>
           </a:r>
         </a:p>
       </dsp:txBody>
       <dsp:txXfrm>
-        <a:off x="355171" y="0"/>
-        <a:ext cx="2221369" cy="1243330"/>
+        <a:off x="652" y="508235"/>
+        <a:ext cx="1610333" cy="735283"/>
       </dsp:txXfrm>
     </dsp:sp>
     <dsp:sp modelId="{69242FCE-B1A3-4CB0-90C2-CB5EC309668C}">
@@ -1481,8 +1561,8 @@
       </dsp:nvSpPr>
       <dsp:spPr>
         <a:xfrm>
-          <a:off x="1310439" y="1398746"/>
-          <a:ext cx="310832" cy="310832"/>
+          <a:off x="671173" y="1185333"/>
+          <a:ext cx="269291" cy="269291"/>
         </a:xfrm>
         <a:prstGeom prst="ellipse">
           <a:avLst/>
@@ -1532,8 +1612,269 @@
       </dsp:nvSpPr>
       <dsp:spPr>
         <a:xfrm>
-          <a:off x="3073425" y="1864995"/>
-          <a:ext cx="2922854" cy="1243330"/>
+          <a:off x="1521457" y="1672231"/>
+          <a:ext cx="2591106" cy="713373"/>
+        </a:xfrm>
+        <a:prstGeom prst="rect">
+          <a:avLst/>
+        </a:prstGeom>
+        <a:noFill/>
+        <a:ln>
+          <a:noFill/>
+        </a:ln>
+        <a:effectLst/>
+      </dsp:spPr>
+      <dsp:style>
+        <a:lnRef idx="0">
+          <a:scrgbClr r="0" g="0" b="0"/>
+        </a:lnRef>
+        <a:fillRef idx="0">
+          <a:scrgbClr r="0" g="0" b="0"/>
+        </a:fillRef>
+        <a:effectRef idx="0">
+          <a:scrgbClr r="0" g="0" b="0"/>
+        </a:effectRef>
+        <a:fontRef idx="minor"/>
+      </dsp:style>
+      <dsp:txBody>
+        <a:bodyPr spcFirstLastPara="0" vert="horz" wrap="square" lIns="128016" tIns="128016" rIns="128016" bIns="128016" numCol="1" spcCol="1270" anchor="t" anchorCtr="0">
+          <a:noAutofit/>
+        </a:bodyPr>
+        <a:lstStyle/>
+        <a:p>
+          <a:pPr marL="0" lvl="0" indent="0" algn="ctr" defTabSz="800100">
+            <a:lnSpc>
+              <a:spcPct val="90000"/>
+            </a:lnSpc>
+            <a:spcBef>
+              <a:spcPct val="0"/>
+            </a:spcBef>
+            <a:spcAft>
+              <a:spcPct val="35000"/>
+            </a:spcAft>
+            <a:buNone/>
+          </a:pPr>
+          <a:r>
+            <a:rPr lang="en-US" sz="1800" b="1" kern="1200" dirty="0"/>
+            <a:t>Utilities functions</a:t>
+          </a:r>
+        </a:p>
+        <a:p>
+          <a:pPr marL="0" lvl="0" indent="0" algn="ctr" defTabSz="800100">
+            <a:lnSpc>
+              <a:spcPct val="90000"/>
+            </a:lnSpc>
+            <a:spcBef>
+              <a:spcPct val="0"/>
+            </a:spcBef>
+            <a:spcAft>
+              <a:spcPct val="35000"/>
+            </a:spcAft>
+            <a:buNone/>
+          </a:pPr>
+          <a:r>
+            <a:rPr lang="en-US" sz="1800" kern="1200" dirty="0"/>
+            <a:t>These are used to help the main functions in different calculations</a:t>
+          </a:r>
+          <a:endParaRPr lang="en-US" sz="1800" b="1" kern="1200" dirty="0"/>
+        </a:p>
+      </dsp:txBody>
+      <dsp:txXfrm>
+        <a:off x="1521457" y="1672231"/>
+        <a:ext cx="2591106" cy="713373"/>
+      </dsp:txXfrm>
+    </dsp:sp>
+    <dsp:sp modelId="{8A3CF5DF-2912-4784-8B16-20EF1087B16D}">
+      <dsp:nvSpPr>
+        <dsp:cNvPr id="0" name=""/>
+        <dsp:cNvSpPr/>
+      </dsp:nvSpPr>
+      <dsp:spPr>
+        <a:xfrm>
+          <a:off x="2400780" y="1171174"/>
+          <a:ext cx="269291" cy="269291"/>
+        </a:xfrm>
+        <a:prstGeom prst="ellipse">
+          <a:avLst/>
+        </a:prstGeom>
+        <a:solidFill>
+          <a:schemeClr val="lt1">
+            <a:hueOff val="0"/>
+            <a:satOff val="0"/>
+            <a:lumOff val="0"/>
+            <a:alphaOff val="0"/>
+          </a:schemeClr>
+        </a:solidFill>
+        <a:ln w="12700" cap="flat" cmpd="sng" algn="ctr">
+          <a:solidFill>
+            <a:schemeClr val="accent1">
+              <a:shade val="80000"/>
+              <a:hueOff val="0"/>
+              <a:satOff val="0"/>
+              <a:lumOff val="0"/>
+              <a:alphaOff val="0"/>
+            </a:schemeClr>
+          </a:solidFill>
+          <a:prstDash val="solid"/>
+          <a:miter lim="800000"/>
+        </a:ln>
+        <a:effectLst/>
+      </dsp:spPr>
+      <dsp:style>
+        <a:lnRef idx="2">
+          <a:scrgbClr r="0" g="0" b="0"/>
+        </a:lnRef>
+        <a:fillRef idx="1">
+          <a:scrgbClr r="0" g="0" b="0"/>
+        </a:fillRef>
+        <a:effectRef idx="0">
+          <a:scrgbClr r="0" g="0" b="0"/>
+        </a:effectRef>
+        <a:fontRef idx="minor">
+          <a:schemeClr val="lt1"/>
+        </a:fontRef>
+      </dsp:style>
+    </dsp:sp>
+    <dsp:sp modelId="{7599F368-B45E-44EE-A412-23B2EC3FEF1D}">
+      <dsp:nvSpPr>
+        <dsp:cNvPr id="0" name=""/>
+        <dsp:cNvSpPr/>
+      </dsp:nvSpPr>
+      <dsp:spPr>
+        <a:xfrm>
+          <a:off x="4151341" y="0"/>
+          <a:ext cx="2912839" cy="1077164"/>
+        </a:xfrm>
+        <a:prstGeom prst="rect">
+          <a:avLst/>
+        </a:prstGeom>
+        <a:noFill/>
+        <a:ln>
+          <a:noFill/>
+        </a:ln>
+        <a:effectLst/>
+      </dsp:spPr>
+      <dsp:style>
+        <a:lnRef idx="0">
+          <a:scrgbClr r="0" g="0" b="0"/>
+        </a:lnRef>
+        <a:fillRef idx="0">
+          <a:scrgbClr r="0" g="0" b="0"/>
+        </a:fillRef>
+        <a:effectRef idx="0">
+          <a:scrgbClr r="0" g="0" b="0"/>
+        </a:effectRef>
+        <a:fontRef idx="minor"/>
+      </dsp:style>
+      <dsp:txBody>
+        <a:bodyPr spcFirstLastPara="0" vert="horz" wrap="square" lIns="106680" tIns="106680" rIns="106680" bIns="106680" numCol="1" spcCol="1270" anchor="b" anchorCtr="1">
+          <a:noAutofit/>
+        </a:bodyPr>
+        <a:lstStyle/>
+        <a:p>
+          <a:pPr marL="0" lvl="0" indent="0" algn="l" defTabSz="666750">
+            <a:lnSpc>
+              <a:spcPct val="90000"/>
+            </a:lnSpc>
+            <a:spcBef>
+              <a:spcPct val="0"/>
+            </a:spcBef>
+            <a:spcAft>
+              <a:spcPct val="35000"/>
+            </a:spcAft>
+            <a:buNone/>
+          </a:pPr>
+          <a:r>
+            <a:rPr lang="en-US" sz="1500" b="1" kern="1200" dirty="0"/>
+            <a:t>  Calculator Functions</a:t>
+          </a:r>
+        </a:p>
+        <a:p>
+          <a:pPr marL="114300" lvl="1" indent="-114300" algn="l" defTabSz="533400">
+            <a:lnSpc>
+              <a:spcPct val="90000"/>
+            </a:lnSpc>
+            <a:spcBef>
+              <a:spcPct val="0"/>
+            </a:spcBef>
+            <a:spcAft>
+              <a:spcPct val="15000"/>
+            </a:spcAft>
+            <a:buSzPct val="80000"/>
+            <a:buFont typeface="Courier New" panose="02070309020205020404" pitchFamily="49" charset="0"/>
+            <a:buNone/>
+          </a:pPr>
+          <a:r>
+            <a:rPr lang="en-US" sz="1200" kern="1200" dirty="0"/>
+            <a:t>   Backend Calculator functions that help in making calculator available for every operation</a:t>
+          </a:r>
+        </a:p>
+      </dsp:txBody>
+      <dsp:txXfrm>
+        <a:off x="4151341" y="0"/>
+        <a:ext cx="2912839" cy="1077164"/>
+      </dsp:txXfrm>
+    </dsp:sp>
+    <dsp:sp modelId="{ACDBF947-CA84-4369-9C76-D9BC453679FC}">
+      <dsp:nvSpPr>
+        <dsp:cNvPr id="0" name=""/>
+        <dsp:cNvSpPr/>
+      </dsp:nvSpPr>
+      <dsp:spPr>
+        <a:xfrm>
+          <a:off x="5188465" y="1172480"/>
+          <a:ext cx="269291" cy="269291"/>
+        </a:xfrm>
+        <a:prstGeom prst="ellipse">
+          <a:avLst/>
+        </a:prstGeom>
+        <a:solidFill>
+          <a:schemeClr val="lt1">
+            <a:hueOff val="0"/>
+            <a:satOff val="0"/>
+            <a:lumOff val="0"/>
+            <a:alphaOff val="0"/>
+          </a:schemeClr>
+        </a:solidFill>
+        <a:ln w="12700" cap="flat" cmpd="sng" algn="ctr">
+          <a:solidFill>
+            <a:schemeClr val="accent1">
+              <a:shade val="80000"/>
+              <a:hueOff val="0"/>
+              <a:satOff val="0"/>
+              <a:lumOff val="0"/>
+              <a:alphaOff val="0"/>
+            </a:schemeClr>
+          </a:solidFill>
+          <a:prstDash val="solid"/>
+          <a:miter lim="800000"/>
+        </a:ln>
+        <a:effectLst/>
+      </dsp:spPr>
+      <dsp:style>
+        <a:lnRef idx="2">
+          <a:scrgbClr r="0" g="0" b="0"/>
+        </a:lnRef>
+        <a:fillRef idx="1">
+          <a:scrgbClr r="0" g="0" b="0"/>
+        </a:fillRef>
+        <a:effectRef idx="0">
+          <a:scrgbClr r="0" g="0" b="0"/>
+        </a:effectRef>
+        <a:fontRef idx="minor">
+          <a:schemeClr val="lt1"/>
+        </a:fontRef>
+      </dsp:style>
+    </dsp:sp>
+    <dsp:sp modelId="{6FF7CD6F-0F0F-4159-B487-D312432B742B}">
+      <dsp:nvSpPr>
+        <dsp:cNvPr id="0" name=""/>
+        <dsp:cNvSpPr/>
+      </dsp:nvSpPr>
+      <dsp:spPr>
+        <a:xfrm>
+          <a:off x="7231263" y="1615747"/>
+          <a:ext cx="2757444" cy="1077164"/>
         </a:xfrm>
         <a:prstGeom prst="rect">
           <a:avLst/>
@@ -1576,7 +1917,7 @@
           </a:pPr>
           <a:r>
             <a:rPr lang="en-US" sz="1800" b="1" kern="1200" dirty="0"/>
-            <a:t>Enhance</a:t>
+            <a:t>Trigonometric &amp; Other functions</a:t>
           </a:r>
         </a:p>
         <a:p>
@@ -1596,155 +1937,24 @@
           </a:pPr>
           <a:r>
             <a:rPr lang="en-US" sz="1800" kern="1200" dirty="0"/>
-            <a:t>Ensure a tailored and user-focused experience</a:t>
+            <a:t>Used to perform trigonometric, logarithmic, and other operations</a:t>
           </a:r>
         </a:p>
       </dsp:txBody>
       <dsp:txXfrm>
-        <a:off x="3073425" y="1864995"/>
-        <a:ext cx="2922854" cy="1243330"/>
+        <a:off x="7231263" y="1615747"/>
+        <a:ext cx="2757444" cy="1077164"/>
       </dsp:txXfrm>
     </dsp:sp>
-    <dsp:sp modelId="{8A3CF5DF-2912-4784-8B16-20EF1087B16D}">
+    <dsp:sp modelId="{FADE807E-F628-4B07-912F-2D942B7C25A8}">
       <dsp:nvSpPr>
         <dsp:cNvPr id="0" name=""/>
         <dsp:cNvSpPr/>
       </dsp:nvSpPr>
       <dsp:spPr>
         <a:xfrm>
-          <a:off x="4379436" y="1398746"/>
-          <a:ext cx="310832" cy="310832"/>
-        </a:xfrm>
-        <a:prstGeom prst="ellipse">
-          <a:avLst/>
-        </a:prstGeom>
-        <a:solidFill>
-          <a:schemeClr val="lt1">
-            <a:hueOff val="0"/>
-            <a:satOff val="0"/>
-            <a:lumOff val="0"/>
-            <a:alphaOff val="0"/>
-          </a:schemeClr>
-        </a:solidFill>
-        <a:ln w="12700" cap="flat" cmpd="sng" algn="ctr">
-          <a:solidFill>
-            <a:schemeClr val="accent1">
-              <a:shade val="80000"/>
-              <a:hueOff val="0"/>
-              <a:satOff val="0"/>
-              <a:lumOff val="0"/>
-              <a:alphaOff val="0"/>
-            </a:schemeClr>
-          </a:solidFill>
-          <a:prstDash val="solid"/>
-          <a:miter lim="800000"/>
-        </a:ln>
-        <a:effectLst/>
-      </dsp:spPr>
-      <dsp:style>
-        <a:lnRef idx="2">
-          <a:scrgbClr r="0" g="0" b="0"/>
-        </a:lnRef>
-        <a:fillRef idx="1">
-          <a:scrgbClr r="0" g="0" b="0"/>
-        </a:fillRef>
-        <a:effectRef idx="0">
-          <a:scrgbClr r="0" g="0" b="0"/>
-        </a:effectRef>
-        <a:fontRef idx="minor">
-          <a:schemeClr val="lt1"/>
-        </a:fontRef>
-      </dsp:style>
-    </dsp:sp>
-    <dsp:sp modelId="{0EA8ECEB-4BEA-4EA4-A72E-9427A4EDF870}">
-      <dsp:nvSpPr>
-        <dsp:cNvPr id="0" name=""/>
-        <dsp:cNvSpPr/>
-      </dsp:nvSpPr>
-      <dsp:spPr>
-        <a:xfrm>
-          <a:off x="6142422" y="0"/>
-          <a:ext cx="2922854" cy="1243330"/>
-        </a:xfrm>
-        <a:prstGeom prst="rect">
-          <a:avLst/>
-        </a:prstGeom>
-        <a:noFill/>
-        <a:ln>
-          <a:noFill/>
-        </a:ln>
-        <a:effectLst/>
-      </dsp:spPr>
-      <dsp:style>
-        <a:lnRef idx="0">
-          <a:scrgbClr r="0" g="0" b="0"/>
-        </a:lnRef>
-        <a:fillRef idx="0">
-          <a:scrgbClr r="0" g="0" b="0"/>
-        </a:fillRef>
-        <a:effectRef idx="0">
-          <a:scrgbClr r="0" g="0" b="0"/>
-        </a:effectRef>
-        <a:fontRef idx="minor"/>
-      </dsp:style>
-      <dsp:txBody>
-        <a:bodyPr spcFirstLastPara="0" vert="horz" wrap="square" lIns="128016" tIns="128016" rIns="128016" bIns="128016" numCol="1" spcCol="1270" anchor="b" anchorCtr="1">
-          <a:noAutofit/>
-        </a:bodyPr>
-        <a:lstStyle/>
-        <a:p>
-          <a:pPr marL="0" lvl="0" indent="0" algn="ctr" defTabSz="800100">
-            <a:lnSpc>
-              <a:spcPct val="90000"/>
-            </a:lnSpc>
-            <a:spcBef>
-              <a:spcPct val="0"/>
-            </a:spcBef>
-            <a:spcAft>
-              <a:spcPct val="35000"/>
-            </a:spcAft>
-            <a:buNone/>
-          </a:pPr>
-          <a:r>
-            <a:rPr lang="en-US" sz="1800" b="1" kern="1200" dirty="0"/>
-            <a:t>Explore</a:t>
-          </a:r>
-        </a:p>
-        <a:p>
-          <a:pPr marL="228600" lvl="1" indent="-228600" algn="ctr" defTabSz="800100">
-            <a:lnSpc>
-              <a:spcPct val="90000"/>
-            </a:lnSpc>
-            <a:spcBef>
-              <a:spcPct val="0"/>
-            </a:spcBef>
-            <a:spcAft>
-              <a:spcPct val="15000"/>
-            </a:spcAft>
-            <a:buSzPct val="80000"/>
-            <a:buFont typeface="Courier New" panose="02070309020205020404" pitchFamily="49" charset="0"/>
-            <a:buChar char="o"/>
-          </a:pPr>
-          <a:r>
-            <a:rPr lang="en-US" sz="1800" kern="1200" dirty="0"/>
-            <a:t>Capitalize on emerging global markets</a:t>
-          </a:r>
-        </a:p>
-      </dsp:txBody>
-      <dsp:txXfrm>
-        <a:off x="6142422" y="0"/>
-        <a:ext cx="2922854" cy="1243330"/>
-      </dsp:txXfrm>
-    </dsp:sp>
-    <dsp:sp modelId="{AE8B9E76-450B-4587-ADD0-D709E0D11B62}">
-      <dsp:nvSpPr>
-        <dsp:cNvPr id="0" name=""/>
-        <dsp:cNvSpPr/>
-      </dsp:nvSpPr>
-      <dsp:spPr>
-        <a:xfrm>
-          <a:off x="7448433" y="1398746"/>
-          <a:ext cx="310832" cy="310832"/>
+          <a:off x="8475339" y="1211810"/>
+          <a:ext cx="269291" cy="269291"/>
         </a:xfrm>
         <a:prstGeom prst="ellipse">
           <a:avLst/>
@@ -8213,7 +8423,7 @@
         </p:nvSpPr>
         <p:spPr>
           <a:xfrm>
-            <a:off x="7649496" y="4510351"/>
+            <a:off x="4542502" y="4510351"/>
             <a:ext cx="3392129" cy="356616"/>
           </a:xfrm>
         </p:spPr>
@@ -8257,7 +8467,7 @@
         </p:nvSpPr>
         <p:spPr>
           <a:xfrm>
-            <a:off x="7049729" y="4841059"/>
+            <a:off x="3991894" y="4841059"/>
             <a:ext cx="4630994" cy="356616"/>
           </a:xfrm>
           <a:prstGeom prst="rect">
@@ -8449,12 +8659,31 @@
           </a:lstStyle>
           <a:p>
             <a:r>
-              <a:rPr lang="en-US" dirty="0"/>
+              <a:rPr lang="en-US" b="1" dirty="0">
+                <a:effectLst>
+                  <a:outerShdw blurRad="38100" dist="38100" dir="2700000" algn="tl">
+                    <a:srgbClr val="000000">
+                      <a:alpha val="43137"/>
+                    </a:srgbClr>
+                  </a:outerShdw>
+                </a:effectLst>
+                <a:highlight>
+                  <a:srgbClr val="FFFF00"/>
+                </a:highlight>
+              </a:rPr>
               <a:t>Intern – NEXTHIKES IT SOLUTIONS</a:t>
             </a:r>
           </a:p>
           <a:p>
-            <a:endParaRPr lang="en-US" dirty="0"/>
+            <a:endParaRPr lang="en-US" b="1" dirty="0">
+              <a:effectLst>
+                <a:outerShdw blurRad="38100" dist="38100" dir="2700000" algn="tl">
+                  <a:srgbClr val="000000">
+                    <a:alpha val="43137"/>
+                  </a:srgbClr>
+                </a:outerShdw>
+              </a:effectLst>
+            </a:endParaRPr>
           </a:p>
         </p:txBody>
       </p:sp>
@@ -8474,7 +8703,7 @@
         </p:nvSpPr>
         <p:spPr>
           <a:xfrm>
-            <a:off x="7718321" y="5207582"/>
+            <a:off x="4699819" y="5207582"/>
             <a:ext cx="3141406" cy="356616"/>
           </a:xfrm>
           <a:prstGeom prst="rect">
@@ -8721,7 +8950,7 @@
         <p:spPr>
           <a:xfrm>
             <a:off x="1280160" y="1097280"/>
-            <a:ext cx="9820656" cy="914400"/>
+            <a:ext cx="9309182" cy="551733"/>
           </a:xfrm>
           <a:noFill/>
         </p:spPr>
@@ -8730,8 +8959,16 @@
           <a:lstStyle/>
           <a:p>
             <a:r>
-              <a:rPr lang="en-US" dirty="0"/>
-              <a:t>Traction</a:t>
+              <a:rPr lang="en-US" sz="4000" b="1" dirty="0">
+                <a:effectLst>
+                  <a:outerShdw blurRad="38100" dist="38100" dir="2700000" algn="tl">
+                    <a:srgbClr val="000000">
+                      <a:alpha val="43137"/>
+                    </a:srgbClr>
+                  </a:outerShdw>
+                </a:effectLst>
+              </a:rPr>
+              <a:t>Theme &amp; Code management</a:t>
             </a:r>
           </a:p>
         </p:txBody>
@@ -8754,285 +8991,425 @@
         </p:nvSpPr>
         <p:spPr>
           <a:xfrm>
-            <a:off x="1280160" y="2377440"/>
-            <a:ext cx="4572000" cy="3429000"/>
+            <a:off x="1280160" y="2281083"/>
+            <a:ext cx="4572000" cy="3962401"/>
           </a:xfrm>
           <a:noFill/>
         </p:spPr>
         <p:txBody>
           <a:bodyPr vert="horz" lIns="91440" tIns="45720" rIns="91440" bIns="45720" rtlCol="0" anchor="t">
-            <a:normAutofit/>
+            <a:normAutofit lnSpcReduction="10000"/>
           </a:bodyPr>
           <a:lstStyle/>
           <a:p>
             <a:r>
               <a:rPr lang="en-US" dirty="0"/>
-              <a:t>Product launch</a:t>
+              <a:t>Day Theme</a:t>
             </a:r>
           </a:p>
           <a:p>
             <a:pPr lvl="1"/>
             <a:r>
               <a:rPr lang="en-US" dirty="0"/>
-              <a:t>Successful introduction of our product to market</a:t>
+              <a:t>Used a light background and dark text</a:t>
             </a:r>
           </a:p>
           <a:p>
             <a:r>
               <a:rPr lang="en-US" dirty="0"/>
-              <a:t>10,000 user milestone</a:t>
+              <a:t>Night Theme</a:t>
             </a:r>
           </a:p>
           <a:p>
             <a:pPr lvl="1"/>
             <a:r>
               <a:rPr lang="en-US" dirty="0"/>
-              <a:t>Substantial user base, indicating growing demand</a:t>
+              <a:t>Used dark background and light text</a:t>
             </a:r>
           </a:p>
           <a:p>
             <a:r>
               <a:rPr lang="en-US" dirty="0"/>
-              <a:t>Strategic partnership</a:t>
+              <a:t>Theme Toggle Button</a:t>
             </a:r>
           </a:p>
           <a:p>
             <a:pPr lvl="1"/>
             <a:r>
               <a:rPr lang="en-US" dirty="0"/>
-              <a:t>Expanding market presence and capabilities</a:t>
-            </a:r>
+              <a:t>Theme toggle button is provided to change the theme from day to night and vice-versa.</a:t>
+            </a:r>
+          </a:p>
+          <a:p>
+            <a:r>
+              <a:rPr lang="en-US" b="0" dirty="0"/>
+              <a:t>Windows-style buttons using </a:t>
+            </a:r>
+            <a:r>
+              <a:rPr lang="en-US" dirty="0" err="1">
+                <a:effectLst>
+                  <a:outerShdw blurRad="38100" dist="38100" dir="2700000" algn="tl">
+                    <a:srgbClr val="000000">
+                      <a:alpha val="43137"/>
+                    </a:srgbClr>
+                  </a:outerShdw>
+                </a:effectLst>
+              </a:rPr>
+              <a:t>ttk</a:t>
+            </a:r>
+            <a:r>
+              <a:rPr lang="en-US" b="0" dirty="0"/>
+              <a:t> themes</a:t>
+            </a:r>
+          </a:p>
+          <a:p>
+            <a:r>
+              <a:rPr lang="en-US" b="0" dirty="0"/>
+              <a:t>Theme toggle (☀ / 🌙)</a:t>
+            </a:r>
+          </a:p>
+          <a:p>
+            <a:r>
+              <a:rPr lang="en-US" b="0" dirty="0"/>
+              <a:t>Clean layout with grid system is provided</a:t>
+            </a:r>
+          </a:p>
+          <a:p>
+            <a:pPr lvl="1"/>
+            <a:endParaRPr lang="en-US" dirty="0"/>
+          </a:p>
+          <a:p>
+            <a:pPr lvl="1"/>
+            <a:endParaRPr lang="en-US" dirty="0"/>
           </a:p>
         </p:txBody>
       </p:sp>
-      <p:graphicFrame>
-        <p:nvGraphicFramePr>
-          <p:cNvPr id="3" name="Table Placeholder 2">
+      <p:sp>
+        <p:nvSpPr>
+          <p:cNvPr id="4" name="Title 1">
             <a:extLst>
               <a:ext uri="{FF2B5EF4-FFF2-40B4-BE49-F238E27FC236}">
-                <a16:creationId xmlns:a16="http://schemas.microsoft.com/office/drawing/2014/main" id="{B20B0B18-4396-F037-6C24-F75EAFC0EC9D}"/>
+                <a16:creationId xmlns:a16="http://schemas.microsoft.com/office/drawing/2014/main" id="{CEA98D88-83AE-CC1C-F0F7-BF4647665017}"/>
               </a:ext>
             </a:extLst>
           </p:cNvPr>
-          <p:cNvGraphicFramePr>
-            <a:graphicFrameLocks noGrp="1"/>
-          </p:cNvGraphicFramePr>
-          <p:nvPr>
-            <p:ph sz="half" idx="2"/>
-            <p:extLst>
-              <p:ext uri="{D42A27DB-BD31-4B8C-83A1-F6EECF244321}">
-                <p14:modId xmlns:p14="http://schemas.microsoft.com/office/powerpoint/2010/main" val="3310461082"/>
-              </p:ext>
-            </p:extLst>
-          </p:nvPr>
-        </p:nvGraphicFramePr>
-        <p:xfrm>
-          <a:off x="6227763" y="2378075"/>
-          <a:ext cx="4645024" cy="3429000"/>
-        </p:xfrm>
-        <a:graphic>
-          <a:graphicData uri="http://schemas.openxmlformats.org/drawingml/2006/table">
-            <a:tbl>
-              <a:tblPr firstRow="1" bandRow="1">
-                <a:tableStyleId>{BC89EF96-8CEA-46FF-86C4-4CE0E7609802}</a:tableStyleId>
-              </a:tblPr>
-              <a:tblGrid>
-                <a:gridCol w="3349815">
-                  <a:extLst>
-                    <a:ext uri="{9D8B030D-6E8A-4147-A177-3AD203B41FA5}">
-                      <a16:colId xmlns:a16="http://schemas.microsoft.com/office/drawing/2014/main" val="4076170109"/>
-                    </a:ext>
-                  </a:extLst>
-                </a:gridCol>
-                <a:gridCol w="1295209">
-                  <a:extLst>
-                    <a:ext uri="{9D8B030D-6E8A-4147-A177-3AD203B41FA5}">
-                      <a16:colId xmlns:a16="http://schemas.microsoft.com/office/drawing/2014/main" val="1858434544"/>
-                    </a:ext>
-                  </a:extLst>
-                </a:gridCol>
-              </a:tblGrid>
-              <a:tr h="685800">
-                <a:tc>
-                  <a:txBody>
-                    <a:bodyPr/>
-                    <a:lstStyle/>
-                    <a:p>
-                      <a:pPr algn="ctr"/>
-                      <a:r>
-                        <a:rPr lang="en-US" sz="2400" dirty="0"/>
-                        <a:t>Milestone</a:t>
-                      </a:r>
-                    </a:p>
-                  </a:txBody>
-                  <a:tcPr anchor="ctr"/>
-                </a:tc>
-                <a:tc>
-                  <a:txBody>
-                    <a:bodyPr/>
-                    <a:lstStyle/>
-                    <a:p>
-                      <a:pPr algn="ctr"/>
-                      <a:r>
-                        <a:rPr lang="en-US" sz="2400" dirty="0"/>
-                        <a:t>Quarter</a:t>
-                      </a:r>
-                    </a:p>
-                  </a:txBody>
-                  <a:tcPr anchor="ctr"/>
-                </a:tc>
-                <a:extLst>
-                  <a:ext uri="{0D108BD9-81ED-4DB2-BD59-A6C34878D82A}">
-                    <a16:rowId xmlns:a16="http://schemas.microsoft.com/office/drawing/2014/main" val="1527639249"/>
-                  </a:ext>
-                </a:extLst>
-              </a:tr>
-              <a:tr h="685800">
-                <a:tc>
-                  <a:txBody>
-                    <a:bodyPr/>
-                    <a:lstStyle/>
-                    <a:p>
-                      <a:pPr algn="ctr"/>
-                      <a:r>
-                        <a:rPr lang="en-US" dirty="0"/>
-                        <a:t>Product launch</a:t>
-                      </a:r>
-                    </a:p>
-                  </a:txBody>
-                  <a:tcPr anchor="ctr"/>
-                </a:tc>
-                <a:tc>
-                  <a:txBody>
-                    <a:bodyPr/>
-                    <a:lstStyle/>
-                    <a:p>
-                      <a:pPr algn="ctr"/>
-                      <a:r>
-                        <a:rPr lang="en-US" dirty="0"/>
-                        <a:t>Q1</a:t>
-                      </a:r>
-                    </a:p>
-                  </a:txBody>
-                  <a:tcPr anchor="ctr"/>
-                </a:tc>
-                <a:extLst>
-                  <a:ext uri="{0D108BD9-81ED-4DB2-BD59-A6C34878D82A}">
-                    <a16:rowId xmlns:a16="http://schemas.microsoft.com/office/drawing/2014/main" val="3418955261"/>
-                  </a:ext>
-                </a:extLst>
-              </a:tr>
-              <a:tr h="685800">
-                <a:tc>
-                  <a:txBody>
-                    <a:bodyPr/>
-                    <a:lstStyle/>
-                    <a:p>
-                      <a:pPr algn="ctr"/>
-                      <a:r>
-                        <a:rPr lang="en-US" dirty="0"/>
-                        <a:t>10,000 user milestone</a:t>
-                      </a:r>
-                    </a:p>
-                  </a:txBody>
-                  <a:tcPr anchor="ctr"/>
-                </a:tc>
-                <a:tc>
-                  <a:txBody>
-                    <a:bodyPr/>
-                    <a:lstStyle/>
-                    <a:p>
-                      <a:pPr algn="ctr"/>
-                      <a:r>
-                        <a:rPr lang="en-US" dirty="0"/>
-                        <a:t>Q2</a:t>
-                      </a:r>
-                    </a:p>
-                  </a:txBody>
-                  <a:tcPr anchor="ctr"/>
-                </a:tc>
-                <a:extLst>
-                  <a:ext uri="{0D108BD9-81ED-4DB2-BD59-A6C34878D82A}">
-                    <a16:rowId xmlns:a16="http://schemas.microsoft.com/office/drawing/2014/main" val="1518902757"/>
-                  </a:ext>
-                </a:extLst>
-              </a:tr>
-              <a:tr h="685800">
-                <a:tc>
-                  <a:txBody>
-                    <a:bodyPr/>
-                    <a:lstStyle/>
-                    <a:p>
-                      <a:pPr algn="ctr"/>
-                      <a:r>
-                        <a:rPr lang="en-US" dirty="0"/>
-                        <a:t>Strategic partnership</a:t>
-                      </a:r>
-                    </a:p>
-                  </a:txBody>
-                  <a:tcPr anchor="ctr"/>
-                </a:tc>
-                <a:tc>
-                  <a:txBody>
-                    <a:bodyPr/>
-                    <a:lstStyle/>
-                    <a:p>
-                      <a:pPr algn="ctr"/>
-                      <a:r>
-                        <a:rPr lang="en-US" dirty="0"/>
-                        <a:t>Q3</a:t>
-                      </a:r>
-                    </a:p>
-                  </a:txBody>
-                  <a:tcPr anchor="ctr"/>
-                </a:tc>
-                <a:extLst>
-                  <a:ext uri="{0D108BD9-81ED-4DB2-BD59-A6C34878D82A}">
-                    <a16:rowId xmlns:a16="http://schemas.microsoft.com/office/drawing/2014/main" val="2854133869"/>
-                  </a:ext>
-                </a:extLst>
-              </a:tr>
-              <a:tr h="685800">
-                <a:tc>
-                  <a:txBody>
-                    <a:bodyPr/>
-                    <a:lstStyle/>
-                    <a:p>
-                      <a:pPr lvl="0" algn="ctr">
-                        <a:buNone/>
-                      </a:pPr>
-                      <a:r>
-                        <a:rPr lang="en-US" dirty="0"/>
-                        <a:t>Campaign launch</a:t>
-                      </a:r>
-                    </a:p>
-                  </a:txBody>
-                  <a:tcPr anchor="ctr"/>
-                </a:tc>
-                <a:tc>
-                  <a:txBody>
-                    <a:bodyPr/>
-                    <a:lstStyle/>
-                    <a:p>
-                      <a:pPr algn="ctr"/>
-                      <a:r>
-                        <a:rPr lang="en-US" dirty="0"/>
-                        <a:t>Q4</a:t>
-                      </a:r>
-                    </a:p>
-                  </a:txBody>
-                  <a:tcPr anchor="ctr"/>
-                </a:tc>
-                <a:extLst>
-                  <a:ext uri="{0D108BD9-81ED-4DB2-BD59-A6C34878D82A}">
-                    <a16:rowId xmlns:a16="http://schemas.microsoft.com/office/drawing/2014/main" val="1780349918"/>
-                  </a:ext>
-                </a:extLst>
-              </a:tr>
-            </a:tbl>
-          </a:graphicData>
-        </a:graphic>
-      </p:graphicFrame>
+          <p:cNvSpPr txBox="1">
+            <a:spLocks/>
+          </p:cNvSpPr>
+          <p:nvPr/>
+        </p:nvSpPr>
+        <p:spPr>
+          <a:xfrm>
+            <a:off x="6213987" y="1572037"/>
+            <a:ext cx="5039229" cy="551733"/>
+          </a:xfrm>
+          <a:prstGeom prst="rect">
+            <a:avLst/>
+          </a:prstGeom>
+          <a:noFill/>
+        </p:spPr>
+        <p:txBody>
+          <a:bodyPr vert="horz" lIns="0" tIns="0" rIns="0" bIns="0" rtlCol="0" anchor="t" anchorCtr="0">
+            <a:noAutofit/>
+          </a:bodyPr>
+          <a:lstStyle>
+            <a:lvl1pPr algn="l" defTabSz="914400" rtl="0" eaLnBrk="1" latinLnBrk="0" hangingPunct="1">
+              <a:lnSpc>
+                <a:spcPct val="90000"/>
+              </a:lnSpc>
+              <a:spcBef>
+                <a:spcPct val="0"/>
+              </a:spcBef>
+              <a:buNone/>
+              <a:defRPr sz="3200" kern="1200" cap="all" spc="300" baseline="0">
+                <a:solidFill>
+                  <a:schemeClr val="tx1"/>
+                </a:solidFill>
+                <a:latin typeface="+mj-lt"/>
+                <a:ea typeface="+mj-ea"/>
+                <a:cs typeface="Posterama" panose="020B0504020200020000" pitchFamily="34" charset="0"/>
+              </a:defRPr>
+            </a:lvl1pPr>
+          </a:lstStyle>
+          <a:p>
+            <a:endParaRPr lang="en-US" sz="4000" b="1" dirty="0">
+              <a:effectLst>
+                <a:outerShdw blurRad="38100" dist="38100" dir="2700000" algn="tl">
+                  <a:srgbClr val="000000">
+                    <a:alpha val="43137"/>
+                  </a:srgbClr>
+                </a:outerShdw>
+              </a:effectLst>
+            </a:endParaRPr>
+          </a:p>
+        </p:txBody>
+      </p:sp>
+      <p:sp>
+        <p:nvSpPr>
+          <p:cNvPr id="7" name="Content Placeholder 7">
+            <a:extLst>
+              <a:ext uri="{FF2B5EF4-FFF2-40B4-BE49-F238E27FC236}">
+                <a16:creationId xmlns:a16="http://schemas.microsoft.com/office/drawing/2014/main" id="{0F69CB27-AED3-67B9-C7FB-AD7A9B8E21C7}"/>
+              </a:ext>
+            </a:extLst>
+          </p:cNvPr>
+          <p:cNvSpPr txBox="1">
+            <a:spLocks/>
+          </p:cNvSpPr>
+          <p:nvPr/>
+        </p:nvSpPr>
+        <p:spPr>
+          <a:xfrm>
+            <a:off x="6112730" y="2305660"/>
+            <a:ext cx="4572000" cy="4085308"/>
+          </a:xfrm>
+          <a:prstGeom prst="rect">
+            <a:avLst/>
+          </a:prstGeom>
+          <a:noFill/>
+        </p:spPr>
+        <p:txBody>
+          <a:bodyPr vert="horz" lIns="91440" tIns="45720" rIns="91440" bIns="45720" rtlCol="0" anchor="t">
+            <a:normAutofit fontScale="92500" lnSpcReduction="20000"/>
+          </a:bodyPr>
+          <a:lstStyle>
+            <a:lvl1pPr marL="228600" indent="-228600" algn="l" defTabSz="914400" rtl="0" eaLnBrk="1" latinLnBrk="0" hangingPunct="1">
+              <a:lnSpc>
+                <a:spcPct val="90000"/>
+              </a:lnSpc>
+              <a:spcBef>
+                <a:spcPts val="1400"/>
+              </a:spcBef>
+              <a:buClr>
+                <a:schemeClr val="accent1"/>
+              </a:buClr>
+              <a:buSzPct val="80000"/>
+              <a:buFont typeface="Courier New" panose="02070309020205020404" pitchFamily="49" charset="0"/>
+              <a:buChar char="o"/>
+              <a:defRPr sz="1800" b="1" i="0" kern="1200" cap="none" baseline="0">
+                <a:solidFill>
+                  <a:schemeClr val="tx1"/>
+                </a:solidFill>
+                <a:latin typeface="+mn-lt"/>
+                <a:ea typeface="+mn-ea"/>
+                <a:cs typeface="+mn-cs"/>
+              </a:defRPr>
+            </a:lvl1pPr>
+            <a:lvl2pPr marL="457200" indent="0" algn="l" defTabSz="914400" rtl="0" eaLnBrk="1" latinLnBrk="0" hangingPunct="1">
+              <a:lnSpc>
+                <a:spcPct val="90000"/>
+              </a:lnSpc>
+              <a:spcBef>
+                <a:spcPts val="1400"/>
+              </a:spcBef>
+              <a:buClr>
+                <a:schemeClr val="accent1"/>
+              </a:buClr>
+              <a:buSzPct val="80000"/>
+              <a:buFont typeface="Courier New" panose="02070309020205020404" pitchFamily="49" charset="0"/>
+              <a:buNone/>
+              <a:defRPr sz="1800" b="0" i="0" kern="1200" baseline="0">
+                <a:solidFill>
+                  <a:schemeClr val="tx1"/>
+                </a:solidFill>
+                <a:latin typeface="+mn-lt"/>
+                <a:ea typeface="+mn-ea"/>
+                <a:cs typeface="+mn-cs"/>
+              </a:defRPr>
+            </a:lvl2pPr>
+            <a:lvl3pPr marL="914400" indent="-457200" algn="l" defTabSz="914400" rtl="0" eaLnBrk="1" latinLnBrk="0" hangingPunct="1">
+              <a:lnSpc>
+                <a:spcPct val="90000"/>
+              </a:lnSpc>
+              <a:spcBef>
+                <a:spcPts val="1400"/>
+              </a:spcBef>
+              <a:buClr>
+                <a:schemeClr val="accent1"/>
+              </a:buClr>
+              <a:buSzPct val="80000"/>
+              <a:buFont typeface="Courier New" panose="02070309020205020404" pitchFamily="49" charset="0"/>
+              <a:buChar char="o"/>
+              <a:defRPr sz="1800" b="0" i="0" kern="1200" baseline="0">
+                <a:solidFill>
+                  <a:schemeClr val="tx1"/>
+                </a:solidFill>
+                <a:latin typeface="+mn-lt"/>
+                <a:ea typeface="+mn-ea"/>
+                <a:cs typeface="+mn-cs"/>
+              </a:defRPr>
+            </a:lvl3pPr>
+            <a:lvl4pPr marL="914400" indent="0" algn="l" defTabSz="914400" rtl="0" eaLnBrk="1" latinLnBrk="0" hangingPunct="1">
+              <a:lnSpc>
+                <a:spcPct val="90000"/>
+              </a:lnSpc>
+              <a:spcBef>
+                <a:spcPts val="1400"/>
+              </a:spcBef>
+              <a:buClr>
+                <a:schemeClr val="accent1"/>
+              </a:buClr>
+              <a:buSzPct val="80000"/>
+              <a:buFont typeface="Courier New" panose="02070309020205020404" pitchFamily="49" charset="0"/>
+              <a:buNone/>
+              <a:defRPr sz="1800" b="0" i="0" kern="1200" baseline="0">
+                <a:solidFill>
+                  <a:schemeClr val="tx1"/>
+                </a:solidFill>
+                <a:latin typeface="+mn-lt"/>
+                <a:ea typeface="+mn-ea"/>
+                <a:cs typeface="+mn-cs"/>
+              </a:defRPr>
+            </a:lvl4pPr>
+            <a:lvl5pPr marL="1371600" indent="-457200" algn="l" defTabSz="914400" rtl="0" eaLnBrk="1" latinLnBrk="0" hangingPunct="1">
+              <a:lnSpc>
+                <a:spcPct val="90000"/>
+              </a:lnSpc>
+              <a:spcBef>
+                <a:spcPts val="1400"/>
+              </a:spcBef>
+              <a:buClr>
+                <a:schemeClr val="accent1"/>
+              </a:buClr>
+              <a:buSzPct val="80000"/>
+              <a:buFont typeface="Courier New" panose="02070309020205020404" pitchFamily="49" charset="0"/>
+              <a:buChar char="o"/>
+              <a:defRPr sz="1800" b="0" i="0" kern="1200" baseline="0">
+                <a:solidFill>
+                  <a:schemeClr val="tx1"/>
+                </a:solidFill>
+                <a:latin typeface="+mn-lt"/>
+                <a:ea typeface="+mn-ea"/>
+                <a:cs typeface="+mn-cs"/>
+              </a:defRPr>
+            </a:lvl5pPr>
+            <a:lvl6pPr marL="2514600" indent="-228600" algn="l" defTabSz="914400" rtl="0" eaLnBrk="1" latinLnBrk="0" hangingPunct="1">
+              <a:lnSpc>
+                <a:spcPct val="90000"/>
+              </a:lnSpc>
+              <a:spcBef>
+                <a:spcPts val="500"/>
+              </a:spcBef>
+              <a:buFont typeface="Arial" panose="020B0604020202020204" pitchFamily="34" charset="0"/>
+              <a:buChar char="•"/>
+              <a:defRPr sz="1800" kern="1200">
+                <a:solidFill>
+                  <a:schemeClr val="tx1"/>
+                </a:solidFill>
+                <a:latin typeface="+mn-lt"/>
+                <a:ea typeface="+mn-ea"/>
+                <a:cs typeface="+mn-cs"/>
+              </a:defRPr>
+            </a:lvl6pPr>
+            <a:lvl7pPr marL="2971800" indent="-228600" algn="l" defTabSz="914400" rtl="0" eaLnBrk="1" latinLnBrk="0" hangingPunct="1">
+              <a:lnSpc>
+                <a:spcPct val="90000"/>
+              </a:lnSpc>
+              <a:spcBef>
+                <a:spcPts val="500"/>
+              </a:spcBef>
+              <a:buFont typeface="Arial" panose="020B0604020202020204" pitchFamily="34" charset="0"/>
+              <a:buChar char="•"/>
+              <a:defRPr sz="1800" kern="1200">
+                <a:solidFill>
+                  <a:schemeClr val="tx1"/>
+                </a:solidFill>
+                <a:latin typeface="+mn-lt"/>
+                <a:ea typeface="+mn-ea"/>
+                <a:cs typeface="+mn-cs"/>
+              </a:defRPr>
+            </a:lvl7pPr>
+            <a:lvl8pPr marL="3429000" indent="-228600" algn="l" defTabSz="914400" rtl="0" eaLnBrk="1" latinLnBrk="0" hangingPunct="1">
+              <a:lnSpc>
+                <a:spcPct val="90000"/>
+              </a:lnSpc>
+              <a:spcBef>
+                <a:spcPts val="500"/>
+              </a:spcBef>
+              <a:buFont typeface="Arial" panose="020B0604020202020204" pitchFamily="34" charset="0"/>
+              <a:buChar char="•"/>
+              <a:defRPr sz="1800" kern="1200">
+                <a:solidFill>
+                  <a:schemeClr val="tx1"/>
+                </a:solidFill>
+                <a:latin typeface="+mn-lt"/>
+                <a:ea typeface="+mn-ea"/>
+                <a:cs typeface="+mn-cs"/>
+              </a:defRPr>
+            </a:lvl8pPr>
+            <a:lvl9pPr marL="3886200" indent="-228600" algn="l" defTabSz="914400" rtl="0" eaLnBrk="1" latinLnBrk="0" hangingPunct="1">
+              <a:lnSpc>
+                <a:spcPct val="90000"/>
+              </a:lnSpc>
+              <a:spcBef>
+                <a:spcPts val="500"/>
+              </a:spcBef>
+              <a:buFont typeface="Arial" panose="020B0604020202020204" pitchFamily="34" charset="0"/>
+              <a:buChar char="•"/>
+              <a:defRPr sz="1800" kern="1200">
+                <a:solidFill>
+                  <a:schemeClr val="tx1"/>
+                </a:solidFill>
+                <a:latin typeface="+mn-lt"/>
+                <a:ea typeface="+mn-ea"/>
+                <a:cs typeface="+mn-cs"/>
+              </a:defRPr>
+            </a:lvl9pPr>
+          </a:lstStyle>
+          <a:p>
+            <a:r>
+              <a:rPr lang="en-US" dirty="0"/>
+              <a:t>Constants file </a:t>
+            </a:r>
+          </a:p>
+          <a:p>
+            <a:pPr lvl="1"/>
+            <a:r>
+              <a:rPr lang="en-US" dirty="0"/>
+              <a:t>There is a separate file for storing constants and styling. This is used in the main python calculator file.</a:t>
+            </a:r>
+          </a:p>
+          <a:p>
+            <a:r>
+              <a:rPr lang="en-US" dirty="0"/>
+              <a:t>Clear separation of logic and UI</a:t>
+            </a:r>
+          </a:p>
+          <a:p>
+            <a:pPr lvl="1"/>
+            <a:r>
+              <a:rPr lang="en-US" dirty="0"/>
+              <a:t>Methods are divided into smaller parts to keep the code clean and modular. Logic helps in integrating the functionality smoothly</a:t>
+            </a:r>
+          </a:p>
+          <a:p>
+            <a:r>
+              <a:rPr lang="en-US" dirty="0"/>
+              <a:t>Scientific Notation Formatting</a:t>
+            </a:r>
+          </a:p>
+          <a:p>
+            <a:pPr lvl="1"/>
+            <a:r>
+              <a:rPr lang="en-US" dirty="0"/>
+              <a:t>Scientific notation formatting is also kept in mind while creation of the calculator logics.</a:t>
+            </a:r>
+          </a:p>
+          <a:p>
+            <a:r>
+              <a:rPr lang="en-US" dirty="0"/>
+              <a:t>Proper Error Messages</a:t>
+            </a:r>
+          </a:p>
+          <a:p>
+            <a:pPr lvl="1"/>
+            <a:r>
+              <a:rPr lang="en-US" dirty="0"/>
+              <a:t>"Empty input", "Invalid Input", "Cannot divide by zero"</a:t>
+            </a:r>
+          </a:p>
+        </p:txBody>
+      </p:sp>
     </p:spTree>
     <p:extLst>
       <p:ext uri="{BB962C8B-B14F-4D97-AF65-F5344CB8AC3E}">
@@ -9081,8 +9458,8 @@
         </p:nvSpPr>
         <p:spPr>
           <a:xfrm>
-            <a:off x="1280160" y="1097280"/>
-            <a:ext cx="9601200" cy="914400"/>
+            <a:off x="1295400" y="920299"/>
+            <a:ext cx="9601200" cy="534875"/>
           </a:xfrm>
           <a:noFill/>
         </p:spPr>
@@ -9091,392 +9468,166 @@
           <a:lstStyle/>
           <a:p>
             <a:r>
-              <a:rPr lang="en-US" dirty="0"/>
-              <a:t>Financials</a:t>
+              <a:rPr lang="en-US" sz="3600" b="1" dirty="0">
+                <a:effectLst>
+                  <a:outerShdw blurRad="38100" dist="38100" dir="2700000" algn="tl">
+                    <a:srgbClr val="000000">
+                      <a:alpha val="43137"/>
+                    </a:srgbClr>
+                  </a:outerShdw>
+                </a:effectLst>
+              </a:rPr>
+              <a:t>Calculator image / theme images</a:t>
             </a:r>
           </a:p>
         </p:txBody>
       </p:sp>
-      <p:graphicFrame>
-        <p:nvGraphicFramePr>
-          <p:cNvPr id="4" name="Table Placeholder 3">
+      <p:pic>
+        <p:nvPicPr>
+          <p:cNvPr id="7" name="Picture 6">
             <a:extLst>
               <a:ext uri="{FF2B5EF4-FFF2-40B4-BE49-F238E27FC236}">
-                <a16:creationId xmlns:a16="http://schemas.microsoft.com/office/drawing/2014/main" id="{3D656E99-B779-DE99-D5CB-E0B0F8C3584C}"/>
+                <a16:creationId xmlns:a16="http://schemas.microsoft.com/office/drawing/2014/main" id="{D17A329E-9BFE-2ECA-CB13-17D39330F3FE}"/>
               </a:ext>
             </a:extLst>
           </p:cNvPr>
-          <p:cNvGraphicFramePr>
-            <a:graphicFrameLocks noGrp="1"/>
-          </p:cNvGraphicFramePr>
-          <p:nvPr>
-            <p:ph type="tbl" sz="quarter" idx="13"/>
-            <p:extLst>
-              <p:ext uri="{D42A27DB-BD31-4B8C-83A1-F6EECF244321}">
-                <p14:modId xmlns:p14="http://schemas.microsoft.com/office/powerpoint/2010/main" val="3194512839"/>
-              </p:ext>
-            </p:extLst>
-          </p:nvPr>
-        </p:nvGraphicFramePr>
-        <p:xfrm>
-          <a:off x="1279525" y="2378075"/>
-          <a:ext cx="9620248" cy="3429000"/>
-        </p:xfrm>
-        <a:graphic>
-          <a:graphicData uri="http://schemas.openxmlformats.org/drawingml/2006/table">
-            <a:tbl>
-              <a:tblPr firstRow="1" bandRow="1">
-                <a:tableStyleId>{BC89EF96-8CEA-46FF-86C4-4CE0E7609802}</a:tableStyleId>
-              </a:tblPr>
-              <a:tblGrid>
-                <a:gridCol w="2405062">
-                  <a:extLst>
-                    <a:ext uri="{9D8B030D-6E8A-4147-A177-3AD203B41FA5}">
-                      <a16:colId xmlns:a16="http://schemas.microsoft.com/office/drawing/2014/main" val="3909542061"/>
-                    </a:ext>
-                  </a:extLst>
-                </a:gridCol>
-                <a:gridCol w="2405062">
-                  <a:extLst>
-                    <a:ext uri="{9D8B030D-6E8A-4147-A177-3AD203B41FA5}">
-                      <a16:colId xmlns:a16="http://schemas.microsoft.com/office/drawing/2014/main" val="3856532422"/>
-                    </a:ext>
-                  </a:extLst>
-                </a:gridCol>
-                <a:gridCol w="2405062">
-                  <a:extLst>
-                    <a:ext uri="{9D8B030D-6E8A-4147-A177-3AD203B41FA5}">
-                      <a16:colId xmlns:a16="http://schemas.microsoft.com/office/drawing/2014/main" val="3438228390"/>
-                    </a:ext>
-                  </a:extLst>
-                </a:gridCol>
-                <a:gridCol w="2405062">
-                  <a:extLst>
-                    <a:ext uri="{9D8B030D-6E8A-4147-A177-3AD203B41FA5}">
-                      <a16:colId xmlns:a16="http://schemas.microsoft.com/office/drawing/2014/main" val="3737151041"/>
-                    </a:ext>
-                  </a:extLst>
-                </a:gridCol>
-              </a:tblGrid>
-              <a:tr h="685800">
-                <a:tc>
-                  <a:txBody>
-                    <a:bodyPr/>
-                    <a:lstStyle/>
-                    <a:p>
-                      <a:pPr algn="ctr"/>
-                      <a:r>
-                        <a:rPr lang="en-US" sz="2400" dirty="0"/>
-                        <a:t>Quarter</a:t>
-                      </a:r>
-                    </a:p>
-                  </a:txBody>
-                  <a:tcPr anchor="ctr"/>
-                </a:tc>
-                <a:tc>
-                  <a:txBody>
-                    <a:bodyPr/>
-                    <a:lstStyle/>
-                    <a:p>
-                      <a:pPr algn="ctr"/>
-                      <a:r>
-                        <a:rPr lang="en-US" sz="2400" dirty="0"/>
-                        <a:t>Revenue ($)</a:t>
-                      </a:r>
-                    </a:p>
-                  </a:txBody>
-                  <a:tcPr anchor="ctr"/>
-                </a:tc>
-                <a:tc>
-                  <a:txBody>
-                    <a:bodyPr/>
-                    <a:lstStyle/>
-                    <a:p>
-                      <a:pPr algn="ctr"/>
-                      <a:r>
-                        <a:rPr lang="en-US" sz="2400" dirty="0"/>
-                        <a:t>Expenses ($)</a:t>
-                      </a:r>
-                    </a:p>
-                  </a:txBody>
-                  <a:tcPr anchor="ctr"/>
-                </a:tc>
-                <a:tc>
-                  <a:txBody>
-                    <a:bodyPr/>
-                    <a:lstStyle/>
-                    <a:p>
-                      <a:pPr algn="ctr"/>
-                      <a:r>
-                        <a:rPr lang="en-US" sz="2400" dirty="0"/>
-                        <a:t>Net profit ($)</a:t>
-                      </a:r>
-                    </a:p>
-                  </a:txBody>
-                  <a:tcPr anchor="ctr"/>
-                </a:tc>
-                <a:extLst>
-                  <a:ext uri="{0D108BD9-81ED-4DB2-BD59-A6C34878D82A}">
-                    <a16:rowId xmlns:a16="http://schemas.microsoft.com/office/drawing/2014/main" val="211601482"/>
-                  </a:ext>
-                </a:extLst>
-              </a:tr>
-              <a:tr h="685800">
-                <a:tc>
-                  <a:txBody>
-                    <a:bodyPr/>
-                    <a:lstStyle/>
-                    <a:p>
-                      <a:pPr algn="ctr"/>
-                      <a:r>
-                        <a:rPr lang="en-US" dirty="0"/>
-                        <a:t>Q1</a:t>
-                      </a:r>
-                    </a:p>
-                  </a:txBody>
-                  <a:tcPr anchor="ctr"/>
-                </a:tc>
-                <a:tc>
-                  <a:txBody>
-                    <a:bodyPr/>
-                    <a:lstStyle/>
-                    <a:p>
-                      <a:pPr algn="ctr"/>
-                      <a:r>
-                        <a:rPr lang="en-US" dirty="0"/>
-                        <a:t>$200,000</a:t>
-                      </a:r>
-                    </a:p>
-                  </a:txBody>
-                  <a:tcPr anchor="ctr"/>
-                </a:tc>
-                <a:tc>
-                  <a:txBody>
-                    <a:bodyPr/>
-                    <a:lstStyle/>
-                    <a:p>
-                      <a:pPr algn="ctr"/>
-                      <a:r>
-                        <a:rPr lang="en-US" dirty="0"/>
-                        <a:t>$150,000</a:t>
-                      </a:r>
-                    </a:p>
-                  </a:txBody>
-                  <a:tcPr anchor="ctr"/>
-                </a:tc>
-                <a:tc>
-                  <a:txBody>
-                    <a:bodyPr/>
-                    <a:lstStyle/>
-                    <a:p>
-                      <a:pPr algn="ctr"/>
-                      <a:r>
-                        <a:rPr lang="en-US" dirty="0"/>
-                        <a:t>$50,000</a:t>
-                      </a:r>
-                    </a:p>
-                  </a:txBody>
-                  <a:tcPr anchor="ctr"/>
-                </a:tc>
-                <a:extLst>
-                  <a:ext uri="{0D108BD9-81ED-4DB2-BD59-A6C34878D82A}">
-                    <a16:rowId xmlns:a16="http://schemas.microsoft.com/office/drawing/2014/main" val="3713753144"/>
-                  </a:ext>
-                </a:extLst>
-              </a:tr>
-              <a:tr h="685800">
-                <a:tc>
-                  <a:txBody>
-                    <a:bodyPr/>
-                    <a:lstStyle/>
-                    <a:p>
-                      <a:pPr algn="ctr"/>
-                      <a:r>
-                        <a:rPr lang="en-US" dirty="0"/>
-                        <a:t>Q2</a:t>
-                      </a:r>
-                    </a:p>
-                  </a:txBody>
-                  <a:tcPr anchor="ctr"/>
-                </a:tc>
-                <a:tc>
-                  <a:txBody>
-                    <a:bodyPr/>
-                    <a:lstStyle/>
-                    <a:p>
-                      <a:pPr algn="ctr"/>
-                      <a:r>
-                        <a:rPr lang="en-US" dirty="0"/>
-                        <a:t>$300,000</a:t>
-                      </a:r>
-                    </a:p>
-                  </a:txBody>
-                  <a:tcPr anchor="ctr"/>
-                </a:tc>
-                <a:tc>
-                  <a:txBody>
-                    <a:bodyPr/>
-                    <a:lstStyle/>
-                    <a:p>
-                      <a:pPr algn="ctr"/>
-                      <a:r>
-                        <a:rPr lang="en-US" dirty="0"/>
-                        <a:t>$200,000</a:t>
-                      </a:r>
-                    </a:p>
-                  </a:txBody>
-                  <a:tcPr anchor="ctr"/>
-                </a:tc>
-                <a:tc>
-                  <a:txBody>
-                    <a:bodyPr/>
-                    <a:lstStyle/>
-                    <a:p>
-                      <a:pPr algn="ctr"/>
-                      <a:r>
-                        <a:rPr lang="en-US" dirty="0"/>
-                        <a:t>$100,000</a:t>
-                      </a:r>
-                    </a:p>
-                  </a:txBody>
-                  <a:tcPr anchor="ctr"/>
-                </a:tc>
-                <a:extLst>
-                  <a:ext uri="{0D108BD9-81ED-4DB2-BD59-A6C34878D82A}">
-                    <a16:rowId xmlns:a16="http://schemas.microsoft.com/office/drawing/2014/main" val="210696092"/>
-                  </a:ext>
-                </a:extLst>
-              </a:tr>
-              <a:tr h="685800">
-                <a:tc>
-                  <a:txBody>
-                    <a:bodyPr/>
-                    <a:lstStyle/>
-                    <a:p>
-                      <a:pPr algn="ctr"/>
-                      <a:r>
-                        <a:rPr lang="en-US" dirty="0"/>
-                        <a:t>Q3</a:t>
-                      </a:r>
-                    </a:p>
-                  </a:txBody>
-                  <a:tcPr anchor="ctr"/>
-                </a:tc>
-                <a:tc>
-                  <a:txBody>
-                    <a:bodyPr/>
-                    <a:lstStyle/>
-                    <a:p>
-                      <a:pPr algn="ctr"/>
-                      <a:r>
-                        <a:rPr lang="en-US" dirty="0"/>
-                        <a:t>$400,000</a:t>
-                      </a:r>
-                    </a:p>
-                  </a:txBody>
-                  <a:tcPr anchor="ctr"/>
-                </a:tc>
-                <a:tc>
-                  <a:txBody>
-                    <a:bodyPr/>
-                    <a:lstStyle/>
-                    <a:p>
-                      <a:pPr algn="ctr"/>
-                      <a:r>
-                        <a:rPr lang="en-US" dirty="0"/>
-                        <a:t>$250,000</a:t>
-                      </a:r>
-                    </a:p>
-                  </a:txBody>
-                  <a:tcPr anchor="ctr"/>
-                </a:tc>
-                <a:tc>
-                  <a:txBody>
-                    <a:bodyPr/>
-                    <a:lstStyle/>
-                    <a:p>
-                      <a:pPr algn="ctr"/>
-                      <a:r>
-                        <a:rPr lang="en-US" dirty="0"/>
-                        <a:t>$150,000</a:t>
-                      </a:r>
-                    </a:p>
-                  </a:txBody>
-                  <a:tcPr anchor="ctr"/>
-                </a:tc>
-                <a:extLst>
-                  <a:ext uri="{0D108BD9-81ED-4DB2-BD59-A6C34878D82A}">
-                    <a16:rowId xmlns:a16="http://schemas.microsoft.com/office/drawing/2014/main" val="1335514058"/>
-                  </a:ext>
-                </a:extLst>
-              </a:tr>
-              <a:tr h="685800">
-                <a:tc>
-                  <a:txBody>
-                    <a:bodyPr/>
-                    <a:lstStyle/>
-                    <a:p>
-                      <a:pPr algn="ctr"/>
-                      <a:r>
-                        <a:rPr lang="en-US" dirty="0"/>
-                        <a:t>Q4</a:t>
-                      </a:r>
-                    </a:p>
-                  </a:txBody>
-                  <a:tcPr anchor="ctr"/>
-                </a:tc>
-                <a:tc>
-                  <a:txBody>
-                    <a:bodyPr/>
-                    <a:lstStyle/>
-                    <a:p>
-                      <a:pPr algn="ctr"/>
-                      <a:r>
-                        <a:rPr lang="en-US" dirty="0"/>
-                        <a:t>$300,000</a:t>
-                      </a:r>
-                    </a:p>
-                  </a:txBody>
-                  <a:tcPr anchor="ctr"/>
-                </a:tc>
-                <a:tc>
-                  <a:txBody>
-                    <a:bodyPr/>
-                    <a:lstStyle/>
-                    <a:p>
-                      <a:pPr algn="ctr"/>
-                      <a:r>
-                        <a:rPr lang="en-US" dirty="0"/>
-                        <a:t>$200,000</a:t>
-                      </a:r>
-                    </a:p>
-                  </a:txBody>
-                  <a:tcPr anchor="ctr"/>
-                </a:tc>
-                <a:tc>
-                  <a:txBody>
-                    <a:bodyPr/>
-                    <a:lstStyle/>
-                    <a:p>
-                      <a:pPr algn="ctr"/>
-                      <a:r>
-                        <a:rPr lang="en-US" dirty="0"/>
-                        <a:t>$100,000</a:t>
-                      </a:r>
-                    </a:p>
-                  </a:txBody>
-                  <a:tcPr anchor="ctr"/>
-                </a:tc>
-                <a:extLst>
-                  <a:ext uri="{0D108BD9-81ED-4DB2-BD59-A6C34878D82A}">
-                    <a16:rowId xmlns:a16="http://schemas.microsoft.com/office/drawing/2014/main" val="2420206096"/>
-                  </a:ext>
-                </a:extLst>
-              </a:tr>
-            </a:tbl>
-          </a:graphicData>
-        </a:graphic>
-      </p:graphicFrame>
+          <p:cNvPicPr>
+            <a:picLocks noChangeAspect="1"/>
+          </p:cNvPicPr>
+          <p:nvPr/>
+        </p:nvPicPr>
+        <p:blipFill>
+          <a:blip r:embed="rId2"/>
+          <a:stretch>
+            <a:fillRect/>
+          </a:stretch>
+        </p:blipFill>
+        <p:spPr>
+          <a:xfrm>
+            <a:off x="2205376" y="1524000"/>
+            <a:ext cx="3467837" cy="4326193"/>
+          </a:xfrm>
+          <a:prstGeom prst="rect">
+            <a:avLst/>
+          </a:prstGeom>
+        </p:spPr>
+      </p:pic>
+      <p:pic>
+        <p:nvPicPr>
+          <p:cNvPr id="9" name="Picture 8">
+            <a:extLst>
+              <a:ext uri="{FF2B5EF4-FFF2-40B4-BE49-F238E27FC236}">
+                <a16:creationId xmlns:a16="http://schemas.microsoft.com/office/drawing/2014/main" id="{56219395-0327-BF74-8D2E-00CB766340A1}"/>
+              </a:ext>
+            </a:extLst>
+          </p:cNvPr>
+          <p:cNvPicPr>
+            <a:picLocks noChangeAspect="1"/>
+          </p:cNvPicPr>
+          <p:nvPr/>
+        </p:nvPicPr>
+        <p:blipFill>
+          <a:blip r:embed="rId3"/>
+          <a:stretch>
+            <a:fillRect/>
+          </a:stretch>
+        </p:blipFill>
+        <p:spPr>
+          <a:xfrm>
+            <a:off x="6096000" y="1523999"/>
+            <a:ext cx="3684147" cy="4326193"/>
+          </a:xfrm>
+          <a:prstGeom prst="rect">
+            <a:avLst/>
+          </a:prstGeom>
+        </p:spPr>
+      </p:pic>
+      <p:sp>
+        <p:nvSpPr>
+          <p:cNvPr id="11" name="TextBox 10">
+            <a:extLst>
+              <a:ext uri="{FF2B5EF4-FFF2-40B4-BE49-F238E27FC236}">
+                <a16:creationId xmlns:a16="http://schemas.microsoft.com/office/drawing/2014/main" id="{3785C6DA-B1A2-4BA7-BF17-D7F890F24ACD}"/>
+              </a:ext>
+            </a:extLst>
+          </p:cNvPr>
+          <p:cNvSpPr txBox="1"/>
+          <p:nvPr/>
+        </p:nvSpPr>
+        <p:spPr>
+          <a:xfrm>
+            <a:off x="2920182" y="5937701"/>
+            <a:ext cx="1681315" cy="369332"/>
+          </a:xfrm>
+          <a:prstGeom prst="rect">
+            <a:avLst/>
+          </a:prstGeom>
+          <a:noFill/>
+        </p:spPr>
+        <p:txBody>
+          <a:bodyPr wrap="square">
+            <a:spAutoFit/>
+          </a:bodyPr>
+          <a:lstStyle/>
+          <a:p>
+            <a:r>
+              <a:rPr lang="en-US" b="1" dirty="0">
+                <a:effectLst>
+                  <a:outerShdw blurRad="38100" dist="38100" dir="2700000" algn="tl">
+                    <a:srgbClr val="000000">
+                      <a:alpha val="43137"/>
+                    </a:srgbClr>
+                  </a:outerShdw>
+                </a:effectLst>
+              </a:rPr>
+              <a:t>Day Theme ☀</a:t>
+            </a:r>
+          </a:p>
+        </p:txBody>
+      </p:sp>
+      <p:sp>
+        <p:nvSpPr>
+          <p:cNvPr id="12" name="TextBox 11">
+            <a:extLst>
+              <a:ext uri="{FF2B5EF4-FFF2-40B4-BE49-F238E27FC236}">
+                <a16:creationId xmlns:a16="http://schemas.microsoft.com/office/drawing/2014/main" id="{16CF577B-98E1-90C7-7003-B955BF80E9C0}"/>
+              </a:ext>
+            </a:extLst>
+          </p:cNvPr>
+          <p:cNvSpPr txBox="1"/>
+          <p:nvPr/>
+        </p:nvSpPr>
+        <p:spPr>
+          <a:xfrm>
+            <a:off x="7403692" y="5937701"/>
+            <a:ext cx="1681316" cy="369332"/>
+          </a:xfrm>
+          <a:prstGeom prst="rect">
+            <a:avLst/>
+          </a:prstGeom>
+          <a:noFill/>
+        </p:spPr>
+        <p:txBody>
+          <a:bodyPr wrap="square">
+            <a:spAutoFit/>
+          </a:bodyPr>
+          <a:lstStyle/>
+          <a:p>
+            <a:r>
+              <a:rPr lang="en-US" b="1" dirty="0">
+                <a:effectLst>
+                  <a:outerShdw blurRad="38100" dist="38100" dir="2700000" algn="tl">
+                    <a:srgbClr val="000000">
+                      <a:alpha val="43137"/>
+                    </a:srgbClr>
+                  </a:outerShdw>
+                </a:effectLst>
+              </a:rPr>
+              <a:t>Night Theme 🌙</a:t>
+            </a:r>
+          </a:p>
+        </p:txBody>
+      </p:sp>
     </p:spTree>
     <p:extLst>
       <p:ext uri="{BB962C8B-B14F-4D97-AF65-F5344CB8AC3E}">
@@ -9526,7 +9677,7 @@
         <p:spPr>
           <a:xfrm>
             <a:off x="1280160" y="1097280"/>
-            <a:ext cx="9821955" cy="914400"/>
+            <a:ext cx="9821955" cy="643030"/>
           </a:xfrm>
           <a:noFill/>
         </p:spPr>
@@ -9535,8 +9686,16 @@
           <a:lstStyle/>
           <a:p>
             <a:r>
-              <a:rPr lang="en-US" dirty="0"/>
-              <a:t>Summary</a:t>
+              <a:rPr lang="en-US" sz="4000" b="1" spc="600" dirty="0">
+                <a:effectLst>
+                  <a:outerShdw blurRad="38100" dist="38100" dir="2700000" algn="tl">
+                    <a:srgbClr val="000000">
+                      <a:alpha val="43137"/>
+                    </a:srgbClr>
+                  </a:outerShdw>
+                </a:effectLst>
+              </a:rPr>
+              <a:t>Summary &amp; future scope</a:t>
             </a:r>
           </a:p>
         </p:txBody>
@@ -9559,8 +9718,8 @@
         </p:nvSpPr>
         <p:spPr>
           <a:xfrm>
-            <a:off x="1280160" y="2377440"/>
-            <a:ext cx="4663440" cy="3566160"/>
+            <a:off x="1280160" y="1818968"/>
+            <a:ext cx="4663440" cy="4837470"/>
           </a:xfrm>
           <a:solidFill>
             <a:schemeClr val="accent4"/>
@@ -9568,25 +9727,45 @@
         </p:spPr>
         <p:txBody>
           <a:bodyPr vert="horz" lIns="365760" tIns="365760" rIns="365760" bIns="365760" rtlCol="0" anchor="t">
-            <a:normAutofit lnSpcReduction="10000"/>
+            <a:noAutofit/>
           </a:bodyPr>
           <a:lstStyle/>
           <a:p>
             <a:r>
-              <a:rPr lang="en-US" dirty="0"/>
-              <a:t>With this product, Adatum Corporation is positioned for success in the dynamic market. </a:t>
-            </a:r>
-          </a:p>
-          <a:p>
-            <a:r>
-              <a:rPr lang="en-US" dirty="0"/>
-              <a:t>With a focus on innovation, user experience, and strategic growth, we anticipate reaching new heights in the coming year.</a:t>
-            </a:r>
-          </a:p>
-          <a:p>
-            <a:r>
-              <a:rPr lang="en-US" dirty="0"/>
-              <a:t>Our commitment to user satisfaction underscores every aspect of our operations</a:t>
+              <a:rPr lang="en-US" sz="1600" dirty="0"/>
+              <a:t>This project demonstrates a functional, themed scientific calculator</a:t>
+            </a:r>
+          </a:p>
+          <a:p>
+            <a:r>
+              <a:rPr lang="en-US" sz="1600" dirty="0"/>
+              <a:t>It used </a:t>
+            </a:r>
+            <a:r>
+              <a:rPr lang="en-US" sz="1600" dirty="0" err="1"/>
+              <a:t>Tkinter</a:t>
+            </a:r>
+            <a:r>
+              <a:rPr lang="en-US" sz="1600" dirty="0"/>
+              <a:t> library to display the GUI </a:t>
+            </a:r>
+          </a:p>
+          <a:p>
+            <a:r>
+              <a:rPr lang="en-US" sz="1600" dirty="0"/>
+              <a:t>It was developed as a part of building a robust, extensible scientific calculator</a:t>
+            </a:r>
+          </a:p>
+          <a:p>
+            <a:r>
+              <a:rPr lang="en-US" sz="1600" dirty="0"/>
+              <a:t>It provides functionality close to windows scientific calculator</a:t>
+            </a:r>
+          </a:p>
+          <a:p>
+            <a:r>
+              <a:rPr lang="en-US" sz="1600" dirty="0"/>
+              <a:t>It has a clean intuitive interface</a:t>
             </a:r>
           </a:p>
         </p:txBody>
@@ -9609,8 +9788,8 @@
         </p:nvSpPr>
         <p:spPr>
           <a:xfrm>
-            <a:off x="6309360" y="2377440"/>
-            <a:ext cx="4663440" cy="3566160"/>
+            <a:off x="6309360" y="1818967"/>
+            <a:ext cx="4792755" cy="4837471"/>
           </a:xfrm>
           <a:solidFill>
             <a:schemeClr val="accent4"/>
@@ -9618,31 +9797,64 @@
         </p:spPr>
         <p:txBody>
           <a:bodyPr vert="horz" lIns="365760" tIns="365760" rIns="365760" bIns="365760" rtlCol="0" anchor="t">
-            <a:normAutofit lnSpcReduction="10000"/>
+            <a:noAutofit/>
           </a:bodyPr>
           <a:lstStyle/>
           <a:p>
             <a:r>
-              <a:rPr lang="en-US" dirty="0"/>
-              <a:t>Strong market positioning</a:t>
-            </a:r>
-          </a:p>
-          <a:p>
-            <a:r>
-              <a:rPr lang="en-US" dirty="0"/>
-              <a:t>Robust growth strategy</a:t>
-            </a:r>
-          </a:p>
-          <a:p>
-            <a:r>
-              <a:rPr lang="en-US" dirty="0"/>
-              <a:t>Innovative product development</a:t>
-            </a:r>
-          </a:p>
-          <a:p>
-            <a:r>
-              <a:rPr lang="en-US" dirty="0"/>
-              <a:t>Commitment to user satisfaction</a:t>
+              <a:rPr lang="en-US" sz="1600" dirty="0"/>
+              <a:t>advance features of </a:t>
+            </a:r>
+            <a:r>
+              <a:rPr lang="en-US" sz="1600" dirty="0" err="1"/>
+              <a:t>tkinter</a:t>
+            </a:r>
+            <a:r>
+              <a:rPr lang="en-US" sz="1600" dirty="0"/>
+              <a:t> library and extensive use of python in project development were explored</a:t>
+            </a:r>
+          </a:p>
+          <a:p>
+            <a:r>
+              <a:rPr lang="en-US" sz="1600" dirty="0"/>
+              <a:t>Code was pushed to </a:t>
+            </a:r>
+            <a:r>
+              <a:rPr lang="en-US" sz="1600" dirty="0" err="1"/>
+              <a:t>github</a:t>
+            </a:r>
+            <a:r>
+              <a:rPr lang="en-US" sz="1600" dirty="0"/>
+              <a:t> which was a part of project learnings</a:t>
+            </a:r>
+          </a:p>
+          <a:p>
+            <a:r>
+              <a:rPr lang="en-US" sz="1600" dirty="0"/>
+              <a:t>Overall, a great combination of python code and library with </a:t>
+            </a:r>
+            <a:r>
+              <a:rPr lang="en-US" sz="1600" dirty="0" err="1"/>
+              <a:t>gui</a:t>
+            </a:r>
+            <a:r>
+              <a:rPr lang="en-US" sz="1600" dirty="0"/>
+              <a:t> including programming with mathematical analysis of the formulas</a:t>
+            </a:r>
+          </a:p>
+          <a:p>
+            <a:r>
+              <a:rPr lang="en-US" sz="1600" b="1" dirty="0"/>
+              <a:t>Future scope:</a:t>
+            </a:r>
+          </a:p>
+          <a:p>
+            <a:pPr marL="0" indent="0">
+              <a:buNone/>
+            </a:pPr>
+            <a:r>
+              <a:rPr lang="en-US" sz="1600" dirty="0"/>
+              <a:t>	Commitment to learn and create 	features such as operation history, 	memory storage(M+, M-), and more 	advance math functions 	implementation</a:t>
             </a:r>
           </a:p>
         </p:txBody>
@@ -9780,7 +9992,23 @@
           <a:p>
             <a:r>
               <a:rPr lang="en-US" dirty="0"/>
-              <a:t>Aidyn zhanbolat | Aidyn@adatum.com | www.adatum.com</a:t>
+              <a:t>Aishwarya </a:t>
+            </a:r>
+            <a:r>
+              <a:rPr lang="en-US" dirty="0" err="1"/>
+              <a:t>kumar</a:t>
+            </a:r>
+            <a:r>
+              <a:rPr lang="en-US" dirty="0"/>
+              <a:t> </a:t>
+            </a:r>
+            <a:r>
+              <a:rPr lang="en-US" dirty="0" err="1"/>
+              <a:t>singh</a:t>
+            </a:r>
+            <a:r>
+              <a:rPr lang="en-US" dirty="0"/>
+              <a:t> | github.com/aishks14</a:t>
             </a:r>
           </a:p>
         </p:txBody>
@@ -9817,39 +10045,6 @@
       </p:grpSpPr>
       <p:sp>
         <p:nvSpPr>
-          <p:cNvPr id="2" name="Title 1">
-            <a:extLst>
-              <a:ext uri="{FF2B5EF4-FFF2-40B4-BE49-F238E27FC236}">
-                <a16:creationId xmlns:a16="http://schemas.microsoft.com/office/drawing/2014/main" id="{9A3EB422-1287-FCEB-63CE-599FDC8468D8}"/>
-              </a:ext>
-            </a:extLst>
-          </p:cNvPr>
-          <p:cNvSpPr>
-            <a:spLocks noGrp="1"/>
-          </p:cNvSpPr>
-          <p:nvPr>
-            <p:ph type="title"/>
-          </p:nvPr>
-        </p:nvSpPr>
-        <p:spPr>
-          <a:xfrm>
-            <a:off x="1280160" y="1097280"/>
-            <a:ext cx="4114800" cy="2286000"/>
-          </a:xfrm>
-        </p:spPr>
-        <p:txBody>
-          <a:bodyPr/>
-          <a:lstStyle/>
-          <a:p>
-            <a:r>
-              <a:rPr lang="en-US" dirty="0"/>
-              <a:t>agenda</a:t>
-            </a:r>
-          </a:p>
-        </p:txBody>
-      </p:sp>
-      <p:sp>
-        <p:nvSpPr>
           <p:cNvPr id="3" name="Content Placeholder 2">
             <a:extLst>
               <a:ext uri="{FF2B5EF4-FFF2-40B4-BE49-F238E27FC236}">
@@ -9866,8 +10061,8 @@
         </p:nvSpPr>
         <p:spPr>
           <a:xfrm>
-            <a:off x="987552" y="2458066"/>
-            <a:ext cx="4114800" cy="3805082"/>
+            <a:off x="2187093" y="2172929"/>
+            <a:ext cx="4114800" cy="4090219"/>
           </a:xfrm>
         </p:spPr>
         <p:txBody>
@@ -9949,39 +10144,107 @@
       </p:sp>
       <p:pic>
         <p:nvPicPr>
-          <p:cNvPr id="8" name="Picture Placeholder 7" descr="Pipette diffusing dyes in flasks">
+          <p:cNvPr id="7" name="Picture 6">
             <a:extLst>
               <a:ext uri="{FF2B5EF4-FFF2-40B4-BE49-F238E27FC236}">
-                <a16:creationId xmlns:a16="http://schemas.microsoft.com/office/drawing/2014/main" id="{9DA934D8-2609-4227-78DF-CF8F07A2F9C7}"/>
+                <a16:creationId xmlns:a16="http://schemas.microsoft.com/office/drawing/2014/main" id="{C3EBC94A-00AB-49D5-87B0-4390D69B155F}"/>
               </a:ext>
             </a:extLst>
           </p:cNvPr>
           <p:cNvPicPr>
-            <a:picLocks noGrp="1" noChangeAspect="1"/>
+            <a:picLocks noChangeAspect="1"/>
           </p:cNvPicPr>
-          <p:nvPr>
-            <p:ph type="pic" sz="quarter" idx="13"/>
-          </p:nvPr>
+          <p:nvPr/>
         </p:nvPicPr>
-        <p:blipFill rotWithShape="1">
-          <a:blip r:embed="rId2">
-            <a:alphaModFix/>
-            <a:extLst>
-              <a:ext uri="{28A0092B-C50C-407E-A947-70E740481C1C}">
-                <a14:useLocalDpi xmlns:a14="http://schemas.microsoft.com/office/drawing/2010/main" val="0"/>
-              </a:ext>
-            </a:extLst>
-          </a:blip>
-          <a:srcRect t="97" b="97"/>
-          <a:stretch/>
+        <p:blipFill>
+          <a:blip r:embed="rId2"/>
+          <a:stretch>
+            <a:fillRect/>
+          </a:stretch>
         </p:blipFill>
         <p:spPr>
           <a:xfrm>
-            <a:off x="5687568" y="1435608"/>
-            <a:ext cx="5897880" cy="3977640"/>
+            <a:off x="7468088" y="265472"/>
+            <a:ext cx="4114800" cy="4532670"/>
           </a:xfrm>
+          <a:prstGeom prst="rect">
+            <a:avLst/>
+          </a:prstGeom>
+          <a:effectLst>
+            <a:outerShdw blurRad="63500" sx="102000" sy="102000" algn="ctr" rotWithShape="0">
+              <a:prstClr val="black">
+                <a:alpha val="40000"/>
+              </a:prstClr>
+            </a:outerShdw>
+            <a:reflection blurRad="6350" stA="50000" endA="275" endPos="40000" dist="101600" dir="5400000" sy="-100000" algn="bl" rotWithShape="0"/>
+          </a:effectLst>
         </p:spPr>
       </p:pic>
+      <p:sp>
+        <p:nvSpPr>
+          <p:cNvPr id="11" name="Title 1">
+            <a:extLst>
+              <a:ext uri="{FF2B5EF4-FFF2-40B4-BE49-F238E27FC236}">
+                <a16:creationId xmlns:a16="http://schemas.microsoft.com/office/drawing/2014/main" id="{9A3EB422-1287-FCEB-63CE-599FDC8468D8}"/>
+              </a:ext>
+            </a:extLst>
+          </p:cNvPr>
+          <p:cNvSpPr txBox="1">
+            <a:spLocks/>
+          </p:cNvSpPr>
+          <p:nvPr/>
+        </p:nvSpPr>
+        <p:spPr>
+          <a:xfrm>
+            <a:off x="7610167" y="786581"/>
+            <a:ext cx="3824748" cy="894735"/>
+          </a:xfrm>
+          <a:prstGeom prst="rect">
+            <a:avLst/>
+          </a:prstGeom>
+        </p:spPr>
+        <p:txBody>
+          <a:bodyPr vert="horz" lIns="0" tIns="0" rIns="0" bIns="0" rtlCol="0" anchor="t" anchorCtr="0">
+            <a:noAutofit/>
+          </a:bodyPr>
+          <a:lstStyle>
+            <a:lvl1pPr algn="l" defTabSz="914400" rtl="0" eaLnBrk="1" latinLnBrk="0" hangingPunct="1">
+              <a:lnSpc>
+                <a:spcPct val="90000"/>
+              </a:lnSpc>
+              <a:spcBef>
+                <a:spcPct val="0"/>
+              </a:spcBef>
+              <a:buNone/>
+              <a:defRPr sz="3200" kern="1200" cap="all" spc="300" baseline="0">
+                <a:solidFill>
+                  <a:schemeClr val="tx1"/>
+                </a:solidFill>
+                <a:latin typeface="+mj-lt"/>
+                <a:ea typeface="+mj-ea"/>
+                <a:cs typeface="Posterama" panose="020B0504020200020000" pitchFamily="34" charset="0"/>
+              </a:defRPr>
+            </a:lvl1pPr>
+          </a:lstStyle>
+          <a:p>
+            <a:r>
+              <a:rPr lang="en-US" sz="5400" b="1" dirty="0">
+                <a:effectLst>
+                  <a:outerShdw blurRad="38100" dist="38100" dir="2700000" algn="tl">
+                    <a:srgbClr val="000000">
+                      <a:alpha val="43137"/>
+                    </a:srgbClr>
+                  </a:outerShdw>
+                </a:effectLst>
+                <a:highlight>
+                  <a:srgbClr val="FFFF00"/>
+                </a:highlight>
+              </a:rPr>
+              <a:t>agenda</a:t>
+            </a:r>
+          </a:p>
+        </p:txBody>
+      </p:sp>
     </p:spTree>
     <p:extLst>
       <p:ext uri="{BB962C8B-B14F-4D97-AF65-F5344CB8AC3E}">
@@ -10042,7 +10305,15 @@
           <a:lstStyle/>
           <a:p>
             <a:r>
-              <a:rPr lang="en-US" dirty="0"/>
+              <a:rPr lang="en-US" b="1" dirty="0">
+                <a:effectLst>
+                  <a:outerShdw blurRad="38100" dist="38100" dir="2700000" algn="tl">
+                    <a:srgbClr val="000000">
+                      <a:alpha val="43137"/>
+                    </a:srgbClr>
+                  </a:outerShdw>
+                </a:effectLst>
+              </a:rPr>
               <a:t>About PROECT</a:t>
             </a:r>
           </a:p>
@@ -10066,7 +10337,7 @@
         </p:nvSpPr>
         <p:spPr>
           <a:xfrm>
-            <a:off x="841248" y="5132440"/>
+            <a:off x="910074" y="4806991"/>
             <a:ext cx="10515600" cy="993058"/>
           </a:xfrm>
           <a:noFill/>
@@ -10079,7 +10350,7 @@
           <a:p>
             <a:r>
               <a:rPr lang="en-US" dirty="0"/>
-              <a:t>This project aims at building a smooth, and, working scientific calculator having a GUI based </a:t>
+              <a:t>This project aims at building a smooth, and, working scientific calculator having a GUI, based </a:t>
             </a:r>
           </a:p>
           <a:p>
@@ -10166,10 +10437,10 @@
       </p:grpSpPr>
       <p:pic>
         <p:nvPicPr>
-          <p:cNvPr id="5" name="Picture 4">
+          <p:cNvPr id="7" name="Picture 6">
             <a:extLst>
               <a:ext uri="{FF2B5EF4-FFF2-40B4-BE49-F238E27FC236}">
-                <a16:creationId xmlns:a16="http://schemas.microsoft.com/office/drawing/2014/main" id="{501D0639-69D6-B297-2319-38EB77F01605}"/>
+                <a16:creationId xmlns:a16="http://schemas.microsoft.com/office/drawing/2014/main" id="{CF60347B-FA4A-41F3-BBDD-175789B9C26C}"/>
               </a:ext>
             </a:extLst>
           </p:cNvPr>
@@ -10186,14 +10457,97 @@
         </p:blipFill>
         <p:spPr>
           <a:xfrm>
-            <a:off x="3834581" y="864009"/>
-            <a:ext cx="4198374" cy="5713772"/>
+            <a:off x="3757173" y="894735"/>
+            <a:ext cx="4256117" cy="4365523"/>
           </a:xfrm>
           <a:prstGeom prst="rect">
             <a:avLst/>
           </a:prstGeom>
+          <a:effectLst>
+            <a:glow rad="228600">
+              <a:schemeClr val="accent2">
+                <a:satMod val="175000"/>
+                <a:alpha val="40000"/>
+              </a:schemeClr>
+            </a:glow>
+            <a:reflection blurRad="6350" stA="50000" endA="275" endPos="40000" dist="101600" dir="5400000" sy="-100000" algn="bl" rotWithShape="0"/>
+          </a:effectLst>
         </p:spPr>
       </p:pic>
+      <p:sp>
+        <p:nvSpPr>
+          <p:cNvPr id="3" name="Subtitle 2">
+            <a:extLst>
+              <a:ext uri="{FF2B5EF4-FFF2-40B4-BE49-F238E27FC236}">
+                <a16:creationId xmlns:a16="http://schemas.microsoft.com/office/drawing/2014/main" id="{FEECEBD4-35BF-26BB-D438-DA43EBD5EE89}"/>
+              </a:ext>
+            </a:extLst>
+          </p:cNvPr>
+          <p:cNvSpPr>
+            <a:spLocks noGrp="1"/>
+          </p:cNvSpPr>
+          <p:nvPr>
+            <p:ph type="subTitle" idx="1"/>
+          </p:nvPr>
+        </p:nvSpPr>
+        <p:spPr>
+          <a:xfrm>
+            <a:off x="1268363" y="1209369"/>
+            <a:ext cx="9173496" cy="609600"/>
+          </a:xfrm>
+          <a:noFill/>
+        </p:spPr>
+        <p:txBody>
+          <a:bodyPr>
+            <a:normAutofit fontScale="92500" lnSpcReduction="10000"/>
+          </a:bodyPr>
+          <a:lstStyle/>
+          <a:p>
+            <a:r>
+              <a:rPr lang="en-US" b="1" dirty="0">
+                <a:effectLst>
+                  <a:outerShdw blurRad="38100" dist="38100" dir="2700000" algn="tl">
+                    <a:srgbClr val="000000">
+                      <a:alpha val="43137"/>
+                    </a:srgbClr>
+                  </a:outerShdw>
+                </a:effectLst>
+              </a:rPr>
+              <a:t>Combining functionality and user-friendliness, for </a:t>
+            </a:r>
+            <a:r>
+              <a:rPr lang="en-US" b="1" dirty="0">
+                <a:solidFill>
+                  <a:srgbClr val="FFFFFF"/>
+                </a:solidFill>
+                <a:effectLst>
+                  <a:outerShdw blurRad="38100" dist="38100" dir="2700000" algn="tl">
+                    <a:srgbClr val="000000">
+                      <a:alpha val="43137"/>
+                    </a:srgbClr>
+                  </a:outerShdw>
+                </a:effectLst>
+                <a:highlight>
+                  <a:srgbClr val="000000"/>
+                </a:highlight>
+              </a:rPr>
+              <a:t>Trigonometric, Logarithmic, and Arithmetic Functions</a:t>
+            </a:r>
+            <a:endParaRPr lang="en-US" b="1" dirty="0">
+              <a:effectLst>
+                <a:outerShdw blurRad="38100" dist="38100" dir="2700000" algn="tl">
+                  <a:srgbClr val="000000">
+                    <a:alpha val="43137"/>
+                  </a:srgbClr>
+                </a:outerShdw>
+              </a:effectLst>
+              <a:highlight>
+                <a:srgbClr val="000000"/>
+              </a:highlight>
+            </a:endParaRPr>
+          </a:p>
+        </p:txBody>
+      </p:sp>
       <p:sp>
         <p:nvSpPr>
           <p:cNvPr id="2" name="Title 1">
@@ -10212,8 +10566,8 @@
         </p:nvSpPr>
         <p:spPr>
           <a:xfrm>
-            <a:off x="1818968" y="1143000"/>
-            <a:ext cx="8396748" cy="1649361"/>
+            <a:off x="2064774" y="1799299"/>
+            <a:ext cx="7787148" cy="973395"/>
           </a:xfrm>
           <a:noFill/>
         </p:spPr>
@@ -10230,83 +10584,12 @@
                     </a:srgbClr>
                   </a:outerShdw>
                 </a:effectLst>
+                <a:highlight>
+                  <a:srgbClr val="808080"/>
+                </a:highlight>
               </a:rPr>
               <a:t>Project overview</a:t>
             </a:r>
-          </a:p>
-        </p:txBody>
-      </p:sp>
-      <p:sp>
-        <p:nvSpPr>
-          <p:cNvPr id="3" name="Subtitle 2">
-            <a:extLst>
-              <a:ext uri="{FF2B5EF4-FFF2-40B4-BE49-F238E27FC236}">
-                <a16:creationId xmlns:a16="http://schemas.microsoft.com/office/drawing/2014/main" id="{FEECEBD4-35BF-26BB-D438-DA43EBD5EE89}"/>
-              </a:ext>
-            </a:extLst>
-          </p:cNvPr>
-          <p:cNvSpPr>
-            <a:spLocks noGrp="1"/>
-          </p:cNvSpPr>
-          <p:nvPr>
-            <p:ph type="subTitle" idx="1"/>
-          </p:nvPr>
-        </p:nvSpPr>
-        <p:spPr>
-          <a:xfrm>
-            <a:off x="1612490" y="1248697"/>
-            <a:ext cx="8839200" cy="914400"/>
-          </a:xfrm>
-          <a:noFill/>
-        </p:spPr>
-        <p:txBody>
-          <a:bodyPr>
-            <a:normAutofit/>
-          </a:bodyPr>
-          <a:lstStyle/>
-          <a:p>
-            <a:r>
-              <a:rPr lang="en-US" b="1" dirty="0">
-                <a:effectLst>
-                  <a:outerShdw blurRad="38100" dist="38100" dir="2700000" algn="tl">
-                    <a:srgbClr val="000000">
-                      <a:alpha val="43137"/>
-                    </a:srgbClr>
-                  </a:outerShdw>
-                </a:effectLst>
-              </a:rPr>
-              <a:t>Combining functionality and user-friendliness, for </a:t>
-            </a:r>
-            <a:r>
-              <a:rPr lang="en-US" b="1" dirty="0">
-                <a:solidFill>
-                  <a:srgbClr val="FFFFFF"/>
-                </a:solidFill>
-                <a:effectLst>
-                  <a:outerShdw blurRad="38100" dist="38100" dir="2700000" algn="tl">
-                    <a:srgbClr val="000000">
-                      <a:alpha val="43137"/>
-                    </a:srgbClr>
-                  </a:outerShdw>
-                </a:effectLst>
-                <a:highlight>
-                  <a:srgbClr val="000000"/>
-                </a:highlight>
-              </a:rPr>
-              <a:t>Trigonometric, Logarithmic, and Arithmetic Functions</a:t>
-            </a:r>
-            <a:endParaRPr lang="en-US" b="1" dirty="0">
-              <a:effectLst>
-                <a:outerShdw blurRad="38100" dist="38100" dir="2700000" algn="tl">
-                  <a:srgbClr val="000000">
-                    <a:alpha val="43137"/>
-                  </a:srgbClr>
-                </a:outerShdw>
-              </a:effectLst>
-              <a:highlight>
-                <a:srgbClr val="000000"/>
-              </a:highlight>
-            </a:endParaRPr>
           </a:p>
         </p:txBody>
       </p:sp>
@@ -10368,7 +10651,7 @@
           <a:lstStyle/>
           <a:p>
             <a:r>
-              <a:rPr lang="en-US" b="1" dirty="0">
+              <a:rPr lang="en-US" sz="5400" b="1" dirty="0">
                 <a:effectLst>
                   <a:outerShdw blurRad="38100" dist="38100" dir="2700000" algn="tl">
                     <a:srgbClr val="000000">
@@ -10610,6 +10893,44 @@
           <a:chExt cx="0" cy="0"/>
         </a:xfrm>
       </p:grpSpPr>
+      <p:pic>
+        <p:nvPicPr>
+          <p:cNvPr id="4" name="Picture 3">
+            <a:extLst>
+              <a:ext uri="{FF2B5EF4-FFF2-40B4-BE49-F238E27FC236}">
+                <a16:creationId xmlns:a16="http://schemas.microsoft.com/office/drawing/2014/main" id="{AE6BF571-8A58-0502-9DEC-B427B0F7C64F}"/>
+              </a:ext>
+            </a:extLst>
+          </p:cNvPr>
+          <p:cNvPicPr>
+            <a:picLocks noChangeAspect="1"/>
+          </p:cNvPicPr>
+          <p:nvPr/>
+        </p:nvPicPr>
+        <p:blipFill>
+          <a:blip r:embed="rId2"/>
+          <a:stretch>
+            <a:fillRect/>
+          </a:stretch>
+        </p:blipFill>
+        <p:spPr>
+          <a:xfrm>
+            <a:off x="2763600" y="661216"/>
+            <a:ext cx="2565481" cy="4323739"/>
+          </a:xfrm>
+          <a:prstGeom prst="rect">
+            <a:avLst/>
+          </a:prstGeom>
+          <a:effectLst>
+            <a:outerShdw blurRad="50800" dist="38100" dir="10800000" algn="r" rotWithShape="0">
+              <a:prstClr val="black">
+                <a:alpha val="40000"/>
+              </a:prstClr>
+            </a:outerShdw>
+            <a:reflection blurRad="6350" stA="52000" endA="300" endPos="35000" dir="5400000" sy="-100000" algn="bl" rotWithShape="0"/>
+          </a:effectLst>
+        </p:spPr>
+      </p:pic>
       <p:sp>
         <p:nvSpPr>
           <p:cNvPr id="2" name="Title 1">
@@ -10628,8 +10949,8 @@
         </p:nvSpPr>
         <p:spPr>
           <a:xfrm>
-            <a:off x="1280160" y="3931920"/>
-            <a:ext cx="5029200" cy="1828800"/>
+            <a:off x="1346531" y="5320727"/>
+            <a:ext cx="4412716" cy="685799"/>
           </a:xfrm>
           <a:noFill/>
         </p:spPr>
@@ -10638,8 +10959,16 @@
           <a:lstStyle/>
           <a:p>
             <a:r>
-              <a:rPr lang="en-US" dirty="0"/>
-              <a:t>market comparison</a:t>
+              <a:rPr lang="en-US" b="1" dirty="0">
+                <a:effectLst>
+                  <a:outerShdw blurRad="38100" dist="38100" dir="2700000" algn="tl">
+                    <a:srgbClr val="000000">
+                      <a:alpha val="43137"/>
+                    </a:srgbClr>
+                  </a:outerShdw>
+                </a:effectLst>
+              </a:rPr>
+              <a:t>Code Architectural structure</a:t>
             </a:r>
           </a:p>
         </p:txBody>
@@ -10661,7 +10990,7 @@
           </p:nvPr>
         </p:nvPicPr>
         <p:blipFill>
-          <a:blip r:embed="rId2">
+          <a:blip r:embed="rId3">
             <a:extLst>
               <a:ext uri="{28A0092B-C50C-407E-A947-70E740481C1C}">
                 <a14:useLocalDpi xmlns:a14="http://schemas.microsoft.com/office/drawing/2010/main" val="0"/>
@@ -10673,9 +11002,16 @@
         </p:blipFill>
         <p:spPr>
           <a:xfrm>
-            <a:off x="1280160" y="548640"/>
-            <a:ext cx="3017520" cy="3017520"/>
+            <a:off x="983226" y="1366684"/>
+            <a:ext cx="3175819" cy="3146321"/>
           </a:xfrm>
+          <a:effectLst>
+            <a:outerShdw blurRad="50800" dist="38100" dir="16200000" rotWithShape="0">
+              <a:prstClr val="black">
+                <a:alpha val="40000"/>
+              </a:prstClr>
+            </a:outerShdw>
+          </a:effectLst>
         </p:spPr>
       </p:pic>
       <p:sp>
@@ -10696,8 +11032,8 @@
         </p:nvSpPr>
         <p:spPr>
           <a:xfrm>
-            <a:off x="7205472" y="731520"/>
-            <a:ext cx="4306824" cy="5394960"/>
+            <a:off x="6813757" y="1838633"/>
+            <a:ext cx="4955458" cy="4414684"/>
           </a:xfrm>
           <a:noFill/>
         </p:spPr>
@@ -10708,12 +11044,16 @@
           <a:lstStyle/>
           <a:p>
             <a:r>
-              <a:rPr lang="en-US" b="1" dirty="0"/>
-              <a:t>MAIN CLASS </a:t>
-            </a:r>
-            <a:r>
-              <a:rPr lang="en-US" dirty="0"/>
-              <a:t>- </a:t>
+              <a:rPr lang="en-US" b="1" dirty="0">
+                <a:effectLst>
+                  <a:outerShdw blurRad="38100" dist="38100" dir="2700000" algn="tl">
+                    <a:srgbClr val="000000">
+                      <a:alpha val="43137"/>
+                    </a:srgbClr>
+                  </a:outerShdw>
+                </a:effectLst>
+              </a:rPr>
+              <a:t>MAIN CLASS – </a:t>
             </a:r>
             <a:r>
               <a:rPr lang="en-US" b="1" dirty="0" err="1">
@@ -10731,33 +11071,86 @@
           </a:p>
           <a:p>
             <a:r>
+              <a:rPr lang="en-US" b="1" dirty="0">
+                <a:effectLst>
+                  <a:outerShdw blurRad="38100" dist="38100" dir="2700000" algn="tl">
+                    <a:srgbClr val="000000">
+                      <a:alpha val="43137"/>
+                    </a:srgbClr>
+                  </a:outerShdw>
+                </a:effectLst>
+              </a:rPr>
+              <a:t>Modules used – </a:t>
+            </a:r>
+          </a:p>
+          <a:p>
+            <a:pPr lvl="1">
+              <a:buFont typeface="Wingdings" panose="05000000000000000000" pitchFamily="2" charset="2"/>
+              <a:buChar char="v"/>
+            </a:pPr>
+            <a:r>
+              <a:rPr lang="en-US" dirty="0" err="1"/>
+              <a:t>tkinter</a:t>
+            </a:r>
+            <a:r>
               <a:rPr lang="en-US" dirty="0"/>
-              <a:t>Modules used - </a:t>
-            </a:r>
-          </a:p>
-          <a:p>
+              <a:t>, </a:t>
+            </a:r>
+            <a:r>
+              <a:rPr lang="en-US" dirty="0" err="1"/>
+              <a:t>ttk</a:t>
+            </a:r>
             <a:r>
               <a:rPr lang="en-US" dirty="0"/>
-              <a:t>Provides unique solution</a:t>
-            </a:r>
-          </a:p>
-          <a:p>
+              <a:t>(GUI Components)</a:t>
+            </a:r>
+          </a:p>
+          <a:p>
+            <a:pPr lvl="1">
+              <a:buFont typeface="Wingdings" panose="05000000000000000000" pitchFamily="2" charset="2"/>
+              <a:buChar char="v"/>
+            </a:pPr>
             <a:r>
               <a:rPr lang="en-US" dirty="0"/>
-              <a:t>Edge over competitors</a:t>
-            </a:r>
-          </a:p>
-          <a:p>
+              <a:t>MATH – Scientific functions</a:t>
+            </a:r>
+          </a:p>
+          <a:p>
+            <a:pPr lvl="1">
+              <a:buFont typeface="Wingdings" panose="05000000000000000000" pitchFamily="2" charset="2"/>
+              <a:buChar char="v"/>
+            </a:pPr>
             <a:r>
               <a:rPr lang="en-US" dirty="0"/>
-              <a:t>User-focused design</a:t>
-            </a:r>
-          </a:p>
-          <a:p>
+              <a:t>Constants.py – used for styling and storing constant values</a:t>
+            </a:r>
+          </a:p>
+          <a:p>
+            <a:r>
+              <a:rPr lang="en-US" b="1" dirty="0">
+                <a:effectLst>
+                  <a:outerShdw blurRad="38100" dist="38100" dir="2700000" algn="tl">
+                    <a:srgbClr val="000000">
+                      <a:alpha val="43137"/>
+                    </a:srgbClr>
+                  </a:outerShdw>
+                </a:effectLst>
+              </a:rPr>
+              <a:t>Design USED –</a:t>
+            </a:r>
+          </a:p>
+          <a:p>
+            <a:pPr lvl="1">
+              <a:buFont typeface="Wingdings" panose="05000000000000000000" pitchFamily="2" charset="2"/>
+              <a:buChar char="v"/>
+            </a:pPr>
             <a:r>
               <a:rPr lang="en-US" dirty="0"/>
-              <a:t>Prioritizes user experience</a:t>
-            </a:r>
+              <a:t>Grid layout used with responsive button placements</a:t>
+            </a:r>
+          </a:p>
+          <a:p>
+            <a:endParaRPr lang="en-US" dirty="0"/>
           </a:p>
         </p:txBody>
       </p:sp>
@@ -10809,8 +11202,8 @@
         </p:nvSpPr>
         <p:spPr>
           <a:xfrm>
-            <a:off x="1280160" y="1097280"/>
-            <a:ext cx="9821955" cy="914400"/>
+            <a:off x="1185022" y="914400"/>
+            <a:ext cx="9895933" cy="747252"/>
           </a:xfrm>
           <a:noFill/>
         </p:spPr>
@@ -10819,8 +11212,16 @@
           <a:lstStyle/>
           <a:p>
             <a:r>
-              <a:rPr lang="en-US" dirty="0"/>
-              <a:t>Competitive landscape</a:t>
+              <a:rPr lang="en-US" sz="5400" b="1" dirty="0">
+                <a:effectLst>
+                  <a:outerShdw blurRad="38100" dist="38100" dir="2700000" algn="tl">
+                    <a:srgbClr val="000000">
+                      <a:alpha val="43137"/>
+                    </a:srgbClr>
+                  </a:outerShdw>
+                </a:effectLst>
+              </a:rPr>
+              <a:t>Functional capabilities</a:t>
             </a:r>
           </a:p>
         </p:txBody>
@@ -10843,8 +11244,8 @@
         </p:nvSpPr>
         <p:spPr>
           <a:xfrm>
-            <a:off x="1280160" y="2377440"/>
-            <a:ext cx="4663440" cy="3566160"/>
+            <a:off x="1185022" y="1661652"/>
+            <a:ext cx="4663440" cy="4070554"/>
           </a:xfrm>
           <a:solidFill>
             <a:schemeClr val="accent1">
@@ -10859,40 +11260,109 @@
           </a:bodyPr>
           <a:lstStyle/>
           <a:p>
-            <a:r>
-              <a:rPr lang="en-US" dirty="0"/>
-              <a:t>Strong market presence</a:t>
-            </a:r>
-          </a:p>
-          <a:p>
-            <a:r>
-              <a:rPr lang="en-US" dirty="0"/>
-              <a:t>Positioned as a market leader</a:t>
-            </a:r>
-          </a:p>
-          <a:p>
-            <a:r>
-              <a:rPr lang="en-US" dirty="0"/>
-              <a:t>Leveraging a robust infrastructure</a:t>
-            </a:r>
-          </a:p>
-          <a:p>
-            <a:r>
-              <a:rPr lang="en-US" dirty="0"/>
-              <a:t>Dedicated team of experts</a:t>
-            </a:r>
-          </a:p>
-          <a:p>
-            <a:r>
-              <a:rPr lang="en-US" dirty="0"/>
-              <a:t>Outperforming competitors</a:t>
-            </a:r>
-          </a:p>
-          <a:p>
-            <a:r>
-              <a:rPr lang="en-US" dirty="0"/>
-              <a:t>Good brand name recognition</a:t>
-            </a:r>
+            <a:endParaRPr lang="en-US" dirty="0"/>
+          </a:p>
+          <a:p>
+            <a:r>
+              <a:rPr lang="en-US" sz="2000" dirty="0"/>
+              <a:t>GUI panel for scientific calculator of geometry size </a:t>
+            </a:r>
+            <a:r>
+              <a:rPr lang="en-US" sz="2000" b="1" spc="300" dirty="0">
+                <a:effectLst>
+                  <a:outerShdw blurRad="38100" dist="38100" dir="2700000" algn="tl">
+                    <a:srgbClr val="000000">
+                      <a:alpha val="43137"/>
+                    </a:srgbClr>
+                  </a:outerShdw>
+                </a:effectLst>
+              </a:rPr>
+              <a:t>460x680</a:t>
+            </a:r>
+          </a:p>
+          <a:p>
+            <a:r>
+              <a:rPr lang="en-US" sz="2000" b="1" dirty="0"/>
+              <a:t>Important Basic operations:</a:t>
+            </a:r>
+          </a:p>
+          <a:p>
+            <a:pPr lvl="1">
+              <a:buFont typeface="Wingdings" panose="05000000000000000000" pitchFamily="2" charset="2"/>
+              <a:buChar char="v"/>
+            </a:pPr>
+            <a:r>
+              <a:rPr lang="en-US" sz="2000" dirty="0"/>
+              <a:t>+, -, x , /, mod</a:t>
+            </a:r>
+          </a:p>
+          <a:p>
+            <a:r>
+              <a:rPr lang="en-US" sz="2000" b="1" dirty="0"/>
+              <a:t>Scientific Functions:</a:t>
+            </a:r>
+          </a:p>
+          <a:p>
+            <a:pPr lvl="1">
+              <a:buFont typeface="Wingdings" panose="05000000000000000000" pitchFamily="2" charset="2"/>
+              <a:buChar char="v"/>
+            </a:pPr>
+            <a:r>
+              <a:rPr lang="en-US" sz="2000" dirty="0"/>
+              <a:t>Trigonometry: </a:t>
+            </a:r>
+          </a:p>
+          <a:p>
+            <a:pPr lvl="2">
+              <a:buFont typeface="Wingdings" panose="05000000000000000000" pitchFamily="2" charset="2"/>
+              <a:buChar char="Ø"/>
+            </a:pPr>
+            <a:r>
+              <a:rPr lang="en-US" sz="2000" dirty="0">
+                <a:effectLst>
+                  <a:outerShdw blurRad="38100" dist="38100" dir="2700000" algn="tl">
+                    <a:srgbClr val="000000">
+                      <a:alpha val="43137"/>
+                    </a:srgbClr>
+                  </a:outerShdw>
+                </a:effectLst>
+              </a:rPr>
+              <a:t>sin, cos, tan, csc, sec, cot</a:t>
+            </a:r>
+          </a:p>
+          <a:p>
+            <a:pPr lvl="1">
+              <a:buFont typeface="Wingdings" panose="05000000000000000000" pitchFamily="2" charset="2"/>
+              <a:buChar char="v"/>
+            </a:pPr>
+            <a:r>
+              <a:rPr lang="en-US" sz="2000" dirty="0"/>
+              <a:t>Logarithmic:</a:t>
+            </a:r>
+          </a:p>
+          <a:p>
+            <a:pPr lvl="2">
+              <a:buFont typeface="Wingdings" panose="05000000000000000000" pitchFamily="2" charset="2"/>
+              <a:buChar char="Ø"/>
+            </a:pPr>
+            <a:r>
+              <a:rPr lang="en-US" sz="2000" dirty="0">
+                <a:effectLst>
+                  <a:outerShdw blurRad="38100" dist="38100" dir="2700000" algn="tl">
+                    <a:srgbClr val="000000">
+                      <a:alpha val="43137"/>
+                    </a:srgbClr>
+                  </a:outerShdw>
+                </a:effectLst>
+              </a:rPr>
+              <a:t>log, ln</a:t>
+            </a:r>
+          </a:p>
+          <a:p>
+            <a:pPr marL="0" indent="0">
+              <a:buNone/>
+            </a:pPr>
+            <a:endParaRPr lang="en-US" dirty="0"/>
           </a:p>
         </p:txBody>
       </p:sp>
@@ -10914,8 +11384,8 @@
         </p:nvSpPr>
         <p:spPr>
           <a:xfrm>
-            <a:off x="6309360" y="2377440"/>
-            <a:ext cx="4663440" cy="3566160"/>
+            <a:off x="6417515" y="2644878"/>
+            <a:ext cx="4663440" cy="3810000"/>
           </a:xfrm>
           <a:solidFill>
             <a:schemeClr val="accent1">
@@ -10930,49 +11400,110 @@
           </a:bodyPr>
           <a:lstStyle/>
           <a:p>
+            <a:pPr lvl="1">
+              <a:buFont typeface="Wingdings" panose="05000000000000000000" pitchFamily="2" charset="2"/>
+              <a:buChar char="v"/>
+            </a:pPr>
+            <a:r>
+              <a:rPr lang="en-US" sz="2000" dirty="0"/>
+              <a:t>Exponential:</a:t>
+            </a:r>
+          </a:p>
+          <a:p>
+            <a:pPr lvl="2">
+              <a:buFont typeface="Wingdings" panose="05000000000000000000" pitchFamily="2" charset="2"/>
+              <a:buChar char="Ø"/>
+            </a:pPr>
+            <a:r>
+              <a:rPr lang="en-US" sz="2000" dirty="0">
+                <a:effectLst>
+                  <a:outerShdw blurRad="38100" dist="38100" dir="2700000" algn="tl">
+                    <a:srgbClr val="000000">
+                      <a:alpha val="43137"/>
+                    </a:srgbClr>
+                  </a:outerShdw>
+                </a:effectLst>
+              </a:rPr>
+              <a:t>exp, 10^x</a:t>
+            </a:r>
+          </a:p>
+          <a:p>
+            <a:pPr lvl="1">
+              <a:buFont typeface="Wingdings" panose="05000000000000000000" pitchFamily="2" charset="2"/>
+              <a:buChar char="v"/>
+            </a:pPr>
+            <a:r>
+              <a:rPr lang="en-US" sz="2000" dirty="0"/>
+              <a:t>Roots &amp; Powers</a:t>
+            </a:r>
+          </a:p>
+          <a:p>
+            <a:pPr lvl="2">
+              <a:buFont typeface="Wingdings" panose="05000000000000000000" pitchFamily="2" charset="2"/>
+              <a:buChar char="Ø"/>
+            </a:pPr>
+            <a:r>
+              <a:rPr lang="en-IN" sz="2000" dirty="0">
+                <a:effectLst>
+                  <a:outerShdw blurRad="38100" dist="38100" dir="2700000" algn="tl">
+                    <a:srgbClr val="000000">
+                      <a:alpha val="43137"/>
+                    </a:srgbClr>
+                  </a:outerShdw>
+                </a:effectLst>
+              </a:rPr>
+              <a:t>√,  ∛, x², x³, xʸ(x^y)</a:t>
+            </a:r>
+            <a:endParaRPr lang="en-US" sz="2000" dirty="0">
+              <a:effectLst>
+                <a:outerShdw blurRad="38100" dist="38100" dir="2700000" algn="tl">
+                  <a:srgbClr val="000000">
+                    <a:alpha val="43137"/>
+                  </a:srgbClr>
+                </a:outerShdw>
+              </a:effectLst>
+            </a:endParaRPr>
+          </a:p>
+          <a:p>
+            <a:pPr lvl="1">
+              <a:buFont typeface="Wingdings" panose="05000000000000000000" pitchFamily="2" charset="2"/>
+              <a:buChar char="v"/>
+            </a:pPr>
+            <a:r>
+              <a:rPr lang="en-US" sz="2000" dirty="0"/>
+              <a:t>Others:</a:t>
+            </a:r>
+          </a:p>
+          <a:p>
+            <a:pPr lvl="2">
+              <a:buFont typeface="Wingdings" panose="05000000000000000000" pitchFamily="2" charset="2"/>
+              <a:buChar char="Ø"/>
+            </a:pPr>
+            <a:r>
+              <a:rPr lang="en-US" sz="2000" dirty="0">
+                <a:effectLst>
+                  <a:outerShdw blurRad="38100" dist="38100" dir="2700000" algn="tl">
+                    <a:srgbClr val="000000">
+                      <a:alpha val="43137"/>
+                    </a:srgbClr>
+                  </a:outerShdw>
+                </a:effectLst>
+              </a:rPr>
+              <a:t>n!, 1/x, |x|, floor, ceil</a:t>
+            </a:r>
+          </a:p>
+          <a:p>
+            <a:pPr lvl="1">
+              <a:buFont typeface="Wingdings" panose="05000000000000000000" pitchFamily="2" charset="2"/>
+              <a:buChar char="v"/>
+            </a:pPr>
+            <a:endParaRPr lang="en-US" dirty="0"/>
+          </a:p>
+          <a:p>
             <a:pPr marL="0" indent="0">
               <a:buNone/>
             </a:pPr>
-            <a:r>
-              <a:rPr lang="en-US" dirty="0"/>
-              <a:t>Need:</a:t>
-            </a:r>
-          </a:p>
-          <a:p>
-            <a:r>
-              <a:rPr lang="en-US" dirty="0"/>
-              <a:t>More agility and adaptability</a:t>
-            </a:r>
-          </a:p>
-          <a:p>
-            <a:r>
-              <a:rPr lang="en-US" dirty="0"/>
-              <a:t>Stronger competitive edge</a:t>
-            </a:r>
-          </a:p>
-          <a:p>
-            <a:r>
-              <a:rPr lang="en-US" dirty="0"/>
-              <a:t>Ability to adapt swiftly</a:t>
-            </a:r>
-          </a:p>
-          <a:p>
-            <a:r>
-              <a:rPr lang="en-US" dirty="0"/>
-              <a:t>Stay ahead of the curve</a:t>
-            </a:r>
-          </a:p>
-          <a:p>
-            <a:r>
-              <a:rPr lang="en-US" dirty="0"/>
-              <a:t>Continuously improve offerings</a:t>
-            </a:r>
-          </a:p>
-          <a:p>
-            <a:r>
-              <a:rPr lang="en-US" dirty="0"/>
-              <a:t>Integrate user feedback</a:t>
-            </a:r>
+            <a:endParaRPr lang="en-US" dirty="0"/>
           </a:p>
         </p:txBody>
       </p:sp>
@@ -11024,8 +11555,8 @@
         </p:nvSpPr>
         <p:spPr>
           <a:xfrm>
-            <a:off x="1280160" y="1097280"/>
-            <a:ext cx="5029200" cy="1828800"/>
+            <a:off x="1280160" y="998958"/>
+            <a:ext cx="5730240" cy="1828800"/>
           </a:xfrm>
           <a:noFill/>
         </p:spPr>
@@ -11034,9 +11565,83 @@
           <a:lstStyle/>
           <a:p>
             <a:r>
-              <a:rPr lang="en-US" dirty="0"/>
-              <a:t>Growth strategy</a:t>
-            </a:r>
+              <a:rPr lang="en-US" sz="4000" b="1" dirty="0">
+                <a:effectLst>
+                  <a:outerShdw blurRad="38100" dist="38100" dir="2700000" algn="tl">
+                    <a:srgbClr val="000000">
+                      <a:alpha val="43137"/>
+                    </a:srgbClr>
+                  </a:outerShdw>
+                </a:effectLst>
+              </a:rPr>
+              <a:t>Expression </a:t>
+            </a:r>
+            <a:br>
+              <a:rPr lang="en-US" sz="4000" b="1" dirty="0">
+                <a:effectLst>
+                  <a:outerShdw blurRad="38100" dist="38100" dir="2700000" algn="tl">
+                    <a:srgbClr val="000000">
+                      <a:alpha val="43137"/>
+                    </a:srgbClr>
+                  </a:outerShdw>
+                </a:effectLst>
+              </a:rPr>
+            </a:br>
+            <a:r>
+              <a:rPr lang="en-US" sz="4000" b="1" dirty="0">
+                <a:effectLst>
+                  <a:outerShdw blurRad="38100" dist="38100" dir="2700000" algn="tl">
+                    <a:srgbClr val="000000">
+                      <a:alpha val="43137"/>
+                    </a:srgbClr>
+                  </a:outerShdw>
+                </a:effectLst>
+              </a:rPr>
+              <a:t>and </a:t>
+            </a:r>
+            <a:br>
+              <a:rPr lang="en-US" sz="4000" b="1" dirty="0">
+                <a:effectLst>
+                  <a:outerShdw blurRad="38100" dist="38100" dir="2700000" algn="tl">
+                    <a:srgbClr val="000000">
+                      <a:alpha val="43137"/>
+                    </a:srgbClr>
+                  </a:outerShdw>
+                </a:effectLst>
+              </a:rPr>
+            </a:br>
+            <a:r>
+              <a:rPr lang="en-US" sz="4000" b="1" dirty="0">
+                <a:effectLst>
+                  <a:outerShdw blurRad="38100" dist="38100" dir="2700000" algn="tl">
+                    <a:srgbClr val="000000">
+                      <a:alpha val="43137"/>
+                    </a:srgbClr>
+                  </a:outerShdw>
+                </a:effectLst>
+              </a:rPr>
+              <a:t>Evaluation </a:t>
+            </a:r>
+            <a:br>
+              <a:rPr lang="en-US" sz="4000" b="1" dirty="0">
+                <a:effectLst>
+                  <a:outerShdw blurRad="38100" dist="38100" dir="2700000" algn="tl">
+                    <a:srgbClr val="000000">
+                      <a:alpha val="43137"/>
+                    </a:srgbClr>
+                  </a:outerShdw>
+                </a:effectLst>
+              </a:rPr>
+            </a:br>
+            <a:endParaRPr lang="en-US" sz="4000" b="1" dirty="0">
+              <a:effectLst>
+                <a:outerShdw blurRad="38100" dist="38100" dir="2700000" algn="tl">
+                  <a:srgbClr val="000000">
+                    <a:alpha val="43137"/>
+                  </a:srgbClr>
+                </a:outerShdw>
+              </a:effectLst>
+            </a:endParaRPr>
           </a:p>
         </p:txBody>
       </p:sp>
@@ -11058,8 +11663,8 @@
         </p:nvSpPr>
         <p:spPr>
           <a:xfrm>
-            <a:off x="6784848" y="1097280"/>
-            <a:ext cx="4572000" cy="1828800"/>
+            <a:off x="6784848" y="1097279"/>
+            <a:ext cx="4572000" cy="2747134"/>
           </a:xfrm>
           <a:noFill/>
         </p:spPr>
@@ -11071,19 +11676,57 @@
           <a:p>
             <a:r>
               <a:rPr lang="en-US" dirty="0"/>
-              <a:t>Expand market reach through strategic partnerships</a:t>
-            </a:r>
-          </a:p>
-          <a:p>
+              <a:t>Calculator uses </a:t>
+            </a:r>
+            <a:r>
+              <a:rPr lang="en-US" b="1" dirty="0"/>
+              <a:t>eval() </a:t>
+            </a:r>
             <a:r>
               <a:rPr lang="en-US" dirty="0"/>
-              <a:t>Enhance product features based on user feedback</a:t>
+              <a:t>method with a restricted set of safe functions. This helps in evaluating the operations smoothly.</a:t>
             </a:r>
           </a:p>
           <a:p>
             <a:r>
               <a:rPr lang="en-US" dirty="0"/>
-              <a:t>Explore international market opportunities</a:t>
+              <a:t>Trigonometric inputs are converted to radians</a:t>
+            </a:r>
+          </a:p>
+          <a:p>
+            <a:r>
+              <a:rPr lang="en-US" dirty="0"/>
+              <a:t>It allows to handle the following scenarios:</a:t>
+            </a:r>
+          </a:p>
+          <a:p>
+            <a:pPr lvl="1">
+              <a:buFont typeface="Wingdings" panose="05000000000000000000" pitchFamily="2" charset="2"/>
+              <a:buChar char="ü"/>
+            </a:pPr>
+            <a:r>
+              <a:rPr lang="en-US" dirty="0"/>
+              <a:t>Overflow</a:t>
+            </a:r>
+          </a:p>
+          <a:p>
+            <a:pPr lvl="1">
+              <a:buFont typeface="Wingdings" panose="05000000000000000000" pitchFamily="2" charset="2"/>
+              <a:buChar char="ü"/>
+            </a:pPr>
+            <a:r>
+              <a:rPr lang="en-US" dirty="0"/>
+              <a:t>Invalid Inputs</a:t>
+            </a:r>
+          </a:p>
+          <a:p>
+            <a:pPr lvl="1">
+              <a:buFont typeface="Wingdings" panose="05000000000000000000" pitchFamily="2" charset="2"/>
+              <a:buChar char="ü"/>
+            </a:pPr>
+            <a:r>
+              <a:rPr lang="en-US" dirty="0"/>
+              <a:t>Division by Zero</a:t>
             </a:r>
           </a:p>
         </p:txBody>
@@ -11104,14 +11747,14 @@
             <p:ph sz="half" idx="2"/>
             <p:extLst>
               <p:ext uri="{D42A27DB-BD31-4B8C-83A1-F6EECF244321}">
-                <p14:modId xmlns:p14="http://schemas.microsoft.com/office/powerpoint/2010/main" val="4243408372"/>
+                <p14:modId xmlns:p14="http://schemas.microsoft.com/office/powerpoint/2010/main" val="1172635679"/>
               </p:ext>
             </p:extLst>
           </p:nvPr>
         </p:nvGraphicFramePr>
         <p:xfrm>
-          <a:off x="1279525" y="3173413"/>
-          <a:ext cx="10077450" cy="3108325"/>
+          <a:off x="444372" y="3282428"/>
+          <a:ext cx="11099289" cy="2692912"/>
         </p:xfrm>
         <a:graphic>
           <a:graphicData uri="http://schemas.openxmlformats.org/drawingml/2006/diagram">
